--- a/csc402-ln013.pptx
+++ b/csc402-ln013.pptx
@@ -5,7 +5,7 @@
     <p:sldMasterId id="2147483649" r:id="rId1"/>
   </p:sldMasterIdLst>
   <p:notesMasterIdLst>
-    <p:notesMasterId r:id="rId26"/>
+    <p:notesMasterId r:id="rId27"/>
   </p:notesMasterIdLst>
   <p:sldIdLst>
     <p:sldId id="257" r:id="rId2"/>
@@ -32,6 +32,7 @@
     <p:sldId id="293" r:id="rId23"/>
     <p:sldId id="294" r:id="rId24"/>
     <p:sldId id="284" r:id="rId25"/>
+    <p:sldId id="296" r:id="rId26"/>
   </p:sldIdLst>
   <p:sldSz cx="9144000" cy="6858000" type="screen4x3"/>
   <p:notesSz cx="6858000" cy="9144000"/>
@@ -231,14 +232,14 @@
               <ma14:placeholderFlag xmlns:ma14="http://schemas.microsoft.com/office/mac/drawingml/2011/main" val="1"/>
             </a:ext>
             <a:ext uri="{909E8E84-426E-40dd-AFC4-6F175D3DCCD1}">
-              <a14:hiddenFill xmlns="" xmlns:a14="http://schemas.microsoft.com/office/drawing/2010/main">
+              <a14:hiddenFill xmlns:a14="http://schemas.microsoft.com/office/drawing/2010/main" xmlns="">
                 <a:solidFill>
                   <a:schemeClr val="accent1"/>
                 </a:solidFill>
               </a14:hiddenFill>
             </a:ext>
             <a:ext uri="{91240B29-F687-4f45-9708-019B960494DF}">
-              <a14:hiddenLine xmlns="" xmlns:a14="http://schemas.microsoft.com/office/drawing/2010/main" w="9525">
+              <a14:hiddenLine xmlns:a14="http://schemas.microsoft.com/office/drawing/2010/main" xmlns="" w="9525">
                 <a:solidFill>
                   <a:schemeClr val="tx1"/>
                 </a:solidFill>
@@ -292,14 +293,14 @@
               <ma14:placeholderFlag xmlns:ma14="http://schemas.microsoft.com/office/mac/drawingml/2011/main" val="1"/>
             </a:ext>
             <a:ext uri="{909E8E84-426E-40dd-AFC4-6F175D3DCCD1}">
-              <a14:hiddenFill xmlns="" xmlns:a14="http://schemas.microsoft.com/office/drawing/2010/main">
+              <a14:hiddenFill xmlns:a14="http://schemas.microsoft.com/office/drawing/2010/main" xmlns="">
                 <a:solidFill>
                   <a:schemeClr val="accent1"/>
                 </a:solidFill>
               </a14:hiddenFill>
             </a:ext>
             <a:ext uri="{91240B29-F687-4f45-9708-019B960494DF}">
-              <a14:hiddenLine xmlns="" xmlns:a14="http://schemas.microsoft.com/office/drawing/2010/main" w="9525">
+              <a14:hiddenLine xmlns:a14="http://schemas.microsoft.com/office/drawing/2010/main" xmlns="" w="9525">
                 <a:solidFill>
                   <a:schemeClr val="tx1"/>
                 </a:solidFill>
@@ -356,7 +357,7 @@
           <a:effectLst/>
           <a:extLst>
             <a:ext uri="{AF507438-7753-43e0-B8FC-AC1667EBCBE1}">
-              <a14:hiddenEffects xmlns="" xmlns:a14="http://schemas.microsoft.com/office/drawing/2010/main">
+              <a14:hiddenEffects xmlns:a14="http://schemas.microsoft.com/office/drawing/2010/main" xmlns="">
                 <a:effectLst>
                   <a:outerShdw blurRad="63500" dist="38099" dir="2700000" algn="ctr" rotWithShape="0">
                     <a:srgbClr val="000000">
@@ -367,7 +368,7 @@
               </a14:hiddenEffects>
             </a:ext>
             <a:ext uri="{53640926-AAD7-44d8-BBD7-CCE9431645EC}">
-              <a14:shadowObscured xmlns="" xmlns:a14="http://schemas.microsoft.com/office/drawing/2010/main" val="1"/>
+              <a14:shadowObscured xmlns:a14="http://schemas.microsoft.com/office/drawing/2010/main" xmlns="" val="1"/>
             </a:ext>
           </a:extLst>
         </p:spPr>
@@ -399,14 +400,14 @@
               <ma14:placeholderFlag xmlns:ma14="http://schemas.microsoft.com/office/mac/drawingml/2011/main" val="1"/>
             </a:ext>
             <a:ext uri="{909E8E84-426E-40dd-AFC4-6F175D3DCCD1}">
-              <a14:hiddenFill xmlns="" xmlns:a14="http://schemas.microsoft.com/office/drawing/2010/main">
+              <a14:hiddenFill xmlns:a14="http://schemas.microsoft.com/office/drawing/2010/main" xmlns="">
                 <a:solidFill>
                   <a:schemeClr val="accent1"/>
                 </a:solidFill>
               </a14:hiddenFill>
             </a:ext>
             <a:ext uri="{91240B29-F687-4f45-9708-019B960494DF}">
-              <a14:hiddenLine xmlns="" xmlns:a14="http://schemas.microsoft.com/office/drawing/2010/main" w="9525">
+              <a14:hiddenLine xmlns:a14="http://schemas.microsoft.com/office/drawing/2010/main" xmlns="" w="9525">
                 <a:solidFill>
                   <a:schemeClr val="tx1"/>
                 </a:solidFill>
@@ -488,14 +489,14 @@
               <ma14:placeholderFlag xmlns:ma14="http://schemas.microsoft.com/office/mac/drawingml/2011/main" val="1"/>
             </a:ext>
             <a:ext uri="{909E8E84-426E-40dd-AFC4-6F175D3DCCD1}">
-              <a14:hiddenFill xmlns="" xmlns:a14="http://schemas.microsoft.com/office/drawing/2010/main">
+              <a14:hiddenFill xmlns:a14="http://schemas.microsoft.com/office/drawing/2010/main" xmlns="">
                 <a:solidFill>
                   <a:schemeClr val="accent1"/>
                 </a:solidFill>
               </a14:hiddenFill>
             </a:ext>
             <a:ext uri="{91240B29-F687-4f45-9708-019B960494DF}">
-              <a14:hiddenLine xmlns="" xmlns:a14="http://schemas.microsoft.com/office/drawing/2010/main" w="9525">
+              <a14:hiddenLine xmlns:a14="http://schemas.microsoft.com/office/drawing/2010/main" xmlns="" w="9525">
                 <a:solidFill>
                   <a:schemeClr val="tx1"/>
                 </a:solidFill>
@@ -549,14 +550,14 @@
               <ma14:placeholderFlag xmlns:ma14="http://schemas.microsoft.com/office/mac/drawingml/2011/main" val="1"/>
             </a:ext>
             <a:ext uri="{909E8E84-426E-40dd-AFC4-6F175D3DCCD1}">
-              <a14:hiddenFill xmlns="" xmlns:a14="http://schemas.microsoft.com/office/drawing/2010/main">
+              <a14:hiddenFill xmlns:a14="http://schemas.microsoft.com/office/drawing/2010/main" xmlns="">
                 <a:solidFill>
                   <a:schemeClr val="accent1"/>
                 </a:solidFill>
               </a14:hiddenFill>
             </a:ext>
             <a:ext uri="{91240B29-F687-4f45-9708-019B960494DF}">
-              <a14:hiddenLine xmlns="" xmlns:a14="http://schemas.microsoft.com/office/drawing/2010/main" w="9525">
+              <a14:hiddenLine xmlns:a14="http://schemas.microsoft.com/office/drawing/2010/main" xmlns="" w="9525">
                 <a:solidFill>
                   <a:schemeClr val="tx1"/>
                 </a:solidFill>
@@ -2297,12 +2298,12 @@
           <a:effectLst/>
           <a:extLst>
             <a:ext uri="{909E8E84-426E-40dd-AFC4-6F175D3DCCD1}">
-              <a14:hiddenFill xmlns="" xmlns:a14="http://schemas.microsoft.com/office/drawing/2010/main">
+              <a14:hiddenFill xmlns:a14="http://schemas.microsoft.com/office/drawing/2010/main" xmlns="">
                 <a:noFill/>
               </a14:hiddenFill>
             </a:ext>
             <a:ext uri="{AF507438-7753-43e0-B8FC-AC1667EBCBE1}">
-              <a14:hiddenEffects xmlns="" xmlns:a14="http://schemas.microsoft.com/office/drawing/2010/main">
+              <a14:hiddenEffects xmlns:a14="http://schemas.microsoft.com/office/drawing/2010/main" xmlns="">
                 <a:effectLst>
                   <a:outerShdw blurRad="63500" dist="38099" dir="2700000" algn="ctr" rotWithShape="0">
                     <a:schemeClr val="bg2">
@@ -2503,7 +2504,7 @@
             <a:effectLst/>
             <a:extLst>
               <a:ext uri="{91240B29-F687-4f45-9708-019B960494DF}">
-                <a14:hiddenLine xmlns="" xmlns:a14="http://schemas.microsoft.com/office/drawing/2010/main" w="9525">
+                <a14:hiddenLine xmlns:a14="http://schemas.microsoft.com/office/drawing/2010/main" xmlns="" w="9525">
                   <a:solidFill>
                     <a:schemeClr val="tx1"/>
                   </a:solidFill>
@@ -2513,7 +2514,7 @@
                 </a14:hiddenLine>
               </a:ext>
               <a:ext uri="{AF507438-7753-43e0-B8FC-AC1667EBCBE1}">
-                <a14:hiddenEffects xmlns="" xmlns:a14="http://schemas.microsoft.com/office/drawing/2010/main">
+                <a14:hiddenEffects xmlns:a14="http://schemas.microsoft.com/office/drawing/2010/main" xmlns="">
                   <a:effectLst>
                     <a:outerShdw blurRad="63500" dist="38099" dir="2700000" algn="ctr" rotWithShape="0">
                       <a:schemeClr val="bg2">
@@ -2558,7 +2559,7 @@
             <a:effectLst/>
             <a:extLst>
               <a:ext uri="{91240B29-F687-4f45-9708-019B960494DF}">
-                <a14:hiddenLine xmlns="" xmlns:a14="http://schemas.microsoft.com/office/drawing/2010/main" w="9525">
+                <a14:hiddenLine xmlns:a14="http://schemas.microsoft.com/office/drawing/2010/main" xmlns="" w="9525">
                   <a:solidFill>
                     <a:schemeClr val="tx1"/>
                   </a:solidFill>
@@ -2568,7 +2569,7 @@
                 </a14:hiddenLine>
               </a:ext>
               <a:ext uri="{AF507438-7753-43e0-B8FC-AC1667EBCBE1}">
-                <a14:hiddenEffects xmlns="" xmlns:a14="http://schemas.microsoft.com/office/drawing/2010/main">
+                <a14:hiddenEffects xmlns:a14="http://schemas.microsoft.com/office/drawing/2010/main" xmlns="">
                   <a:effectLst>
                     <a:outerShdw blurRad="63500" dist="38099" dir="2700000" algn="ctr" rotWithShape="0">
                       <a:schemeClr val="bg2">
@@ -2613,7 +2614,7 @@
             <a:effectLst/>
             <a:extLst>
               <a:ext uri="{91240B29-F687-4f45-9708-019B960494DF}">
-                <a14:hiddenLine xmlns="" xmlns:a14="http://schemas.microsoft.com/office/drawing/2010/main" w="9525">
+                <a14:hiddenLine xmlns:a14="http://schemas.microsoft.com/office/drawing/2010/main" xmlns="" w="9525">
                   <a:solidFill>
                     <a:schemeClr val="tx1"/>
                   </a:solidFill>
@@ -2623,7 +2624,7 @@
                 </a14:hiddenLine>
               </a:ext>
               <a:ext uri="{AF507438-7753-43e0-B8FC-AC1667EBCBE1}">
-                <a14:hiddenEffects xmlns="" xmlns:a14="http://schemas.microsoft.com/office/drawing/2010/main">
+                <a14:hiddenEffects xmlns:a14="http://schemas.microsoft.com/office/drawing/2010/main" xmlns="">
                   <a:effectLst>
                     <a:outerShdw blurRad="63500" dist="38099" dir="2700000" algn="ctr" rotWithShape="0">
                       <a:schemeClr val="bg2">
@@ -2668,7 +2669,7 @@
             <a:effectLst/>
             <a:extLst>
               <a:ext uri="{91240B29-F687-4f45-9708-019B960494DF}">
-                <a14:hiddenLine xmlns="" xmlns:a14="http://schemas.microsoft.com/office/drawing/2010/main" w="9525">
+                <a14:hiddenLine xmlns:a14="http://schemas.microsoft.com/office/drawing/2010/main" xmlns="" w="9525">
                   <a:solidFill>
                     <a:schemeClr val="tx1"/>
                   </a:solidFill>
@@ -2678,7 +2679,7 @@
                 </a14:hiddenLine>
               </a:ext>
               <a:ext uri="{AF507438-7753-43e0-B8FC-AC1667EBCBE1}">
-                <a14:hiddenEffects xmlns="" xmlns:a14="http://schemas.microsoft.com/office/drawing/2010/main">
+                <a14:hiddenEffects xmlns:a14="http://schemas.microsoft.com/office/drawing/2010/main" xmlns="">
                   <a:effectLst>
                     <a:outerShdw blurRad="63500" dist="38099" dir="2700000" algn="ctr" rotWithShape="0">
                       <a:schemeClr val="bg2">
@@ -2723,7 +2724,7 @@
             <a:effectLst/>
             <a:extLst>
               <a:ext uri="{91240B29-F687-4f45-9708-019B960494DF}">
-                <a14:hiddenLine xmlns="" xmlns:a14="http://schemas.microsoft.com/office/drawing/2010/main" w="9525">
+                <a14:hiddenLine xmlns:a14="http://schemas.microsoft.com/office/drawing/2010/main" xmlns="" w="9525">
                   <a:solidFill>
                     <a:schemeClr val="tx1"/>
                   </a:solidFill>
@@ -2733,7 +2734,7 @@
                 </a14:hiddenLine>
               </a:ext>
               <a:ext uri="{AF507438-7753-43e0-B8FC-AC1667EBCBE1}">
-                <a14:hiddenEffects xmlns="" xmlns:a14="http://schemas.microsoft.com/office/drawing/2010/main">
+                <a14:hiddenEffects xmlns:a14="http://schemas.microsoft.com/office/drawing/2010/main" xmlns="">
                   <a:effectLst>
                     <a:outerShdw blurRad="63500" dist="38099" dir="2700000" algn="ctr" rotWithShape="0">
                       <a:schemeClr val="bg2">
@@ -2778,7 +2779,7 @@
             <a:effectLst/>
             <a:extLst>
               <a:ext uri="{91240B29-F687-4f45-9708-019B960494DF}">
-                <a14:hiddenLine xmlns="" xmlns:a14="http://schemas.microsoft.com/office/drawing/2010/main" w="9525">
+                <a14:hiddenLine xmlns:a14="http://schemas.microsoft.com/office/drawing/2010/main" xmlns="" w="9525">
                   <a:solidFill>
                     <a:schemeClr val="tx1"/>
                   </a:solidFill>
@@ -2788,7 +2789,7 @@
                 </a14:hiddenLine>
               </a:ext>
               <a:ext uri="{AF507438-7753-43e0-B8FC-AC1667EBCBE1}">
-                <a14:hiddenEffects xmlns="" xmlns:a14="http://schemas.microsoft.com/office/drawing/2010/main">
+                <a14:hiddenEffects xmlns:a14="http://schemas.microsoft.com/office/drawing/2010/main" xmlns="">
                   <a:effectLst>
                     <a:outerShdw blurRad="63500" dist="38099" dir="2700000" algn="ctr" rotWithShape="0">
                       <a:schemeClr val="bg2">
@@ -2833,7 +2834,7 @@
             <a:effectLst/>
             <a:extLst>
               <a:ext uri="{91240B29-F687-4f45-9708-019B960494DF}">
-                <a14:hiddenLine xmlns="" xmlns:a14="http://schemas.microsoft.com/office/drawing/2010/main" w="9525">
+                <a14:hiddenLine xmlns:a14="http://schemas.microsoft.com/office/drawing/2010/main" xmlns="" w="9525">
                   <a:solidFill>
                     <a:schemeClr val="tx1"/>
                   </a:solidFill>
@@ -2843,7 +2844,7 @@
                 </a14:hiddenLine>
               </a:ext>
               <a:ext uri="{AF507438-7753-43e0-B8FC-AC1667EBCBE1}">
-                <a14:hiddenEffects xmlns="" xmlns:a14="http://schemas.microsoft.com/office/drawing/2010/main">
+                <a14:hiddenEffects xmlns:a14="http://schemas.microsoft.com/office/drawing/2010/main" xmlns="">
                   <a:effectLst>
                     <a:outerShdw blurRad="63500" dist="38099" dir="2700000" algn="ctr" rotWithShape="0">
                       <a:schemeClr val="bg2">
@@ -2888,7 +2889,7 @@
             <a:effectLst/>
             <a:extLst>
               <a:ext uri="{91240B29-F687-4f45-9708-019B960494DF}">
-                <a14:hiddenLine xmlns="" xmlns:a14="http://schemas.microsoft.com/office/drawing/2010/main" w="9525">
+                <a14:hiddenLine xmlns:a14="http://schemas.microsoft.com/office/drawing/2010/main" xmlns="" w="9525">
                   <a:solidFill>
                     <a:schemeClr val="tx1"/>
                   </a:solidFill>
@@ -2898,7 +2899,7 @@
                 </a14:hiddenLine>
               </a:ext>
               <a:ext uri="{AF507438-7753-43e0-B8FC-AC1667EBCBE1}">
-                <a14:hiddenEffects xmlns="" xmlns:a14="http://schemas.microsoft.com/office/drawing/2010/main">
+                <a14:hiddenEffects xmlns:a14="http://schemas.microsoft.com/office/drawing/2010/main" xmlns="">
                   <a:effectLst>
                     <a:outerShdw blurRad="63500" dist="38099" dir="2700000" algn="ctr" rotWithShape="0">
                       <a:schemeClr val="bg2">
@@ -2943,7 +2944,7 @@
             <a:effectLst/>
             <a:extLst>
               <a:ext uri="{91240B29-F687-4f45-9708-019B960494DF}">
-                <a14:hiddenLine xmlns="" xmlns:a14="http://schemas.microsoft.com/office/drawing/2010/main" w="9525">
+                <a14:hiddenLine xmlns:a14="http://schemas.microsoft.com/office/drawing/2010/main" xmlns="" w="9525">
                   <a:solidFill>
                     <a:schemeClr val="tx1"/>
                   </a:solidFill>
@@ -2953,7 +2954,7 @@
                 </a14:hiddenLine>
               </a:ext>
               <a:ext uri="{AF507438-7753-43e0-B8FC-AC1667EBCBE1}">
-                <a14:hiddenEffects xmlns="" xmlns:a14="http://schemas.microsoft.com/office/drawing/2010/main">
+                <a14:hiddenEffects xmlns:a14="http://schemas.microsoft.com/office/drawing/2010/main" xmlns="">
                   <a:effectLst>
                     <a:outerShdw blurRad="63500" dist="38099" dir="2700000" algn="ctr" rotWithShape="0">
                       <a:schemeClr val="bg2">
@@ -2998,7 +2999,7 @@
             <a:effectLst/>
             <a:extLst>
               <a:ext uri="{91240B29-F687-4f45-9708-019B960494DF}">
-                <a14:hiddenLine xmlns="" xmlns:a14="http://schemas.microsoft.com/office/drawing/2010/main" w="9525">
+                <a14:hiddenLine xmlns:a14="http://schemas.microsoft.com/office/drawing/2010/main" xmlns="" w="9525">
                   <a:solidFill>
                     <a:schemeClr val="tx1"/>
                   </a:solidFill>
@@ -3008,7 +3009,7 @@
                 </a14:hiddenLine>
               </a:ext>
               <a:ext uri="{AF507438-7753-43e0-B8FC-AC1667EBCBE1}">
-                <a14:hiddenEffects xmlns="" xmlns:a14="http://schemas.microsoft.com/office/drawing/2010/main">
+                <a14:hiddenEffects xmlns:a14="http://schemas.microsoft.com/office/drawing/2010/main" xmlns="">
                   <a:effectLst>
                     <a:outerShdw blurRad="63500" dist="38099" dir="2700000" algn="ctr" rotWithShape="0">
                       <a:schemeClr val="bg2">
@@ -3053,7 +3054,7 @@
             <a:effectLst/>
             <a:extLst>
               <a:ext uri="{91240B29-F687-4f45-9708-019B960494DF}">
-                <a14:hiddenLine xmlns="" xmlns:a14="http://schemas.microsoft.com/office/drawing/2010/main" w="9525">
+                <a14:hiddenLine xmlns:a14="http://schemas.microsoft.com/office/drawing/2010/main" xmlns="" w="9525">
                   <a:solidFill>
                     <a:schemeClr val="tx1"/>
                   </a:solidFill>
@@ -3063,7 +3064,7 @@
                 </a14:hiddenLine>
               </a:ext>
               <a:ext uri="{AF507438-7753-43e0-B8FC-AC1667EBCBE1}">
-                <a14:hiddenEffects xmlns="" xmlns:a14="http://schemas.microsoft.com/office/drawing/2010/main">
+                <a14:hiddenEffects xmlns:a14="http://schemas.microsoft.com/office/drawing/2010/main" xmlns="">
                   <a:effectLst>
                     <a:outerShdw blurRad="63500" dist="38099" dir="2700000" algn="ctr" rotWithShape="0">
                       <a:schemeClr val="bg2">
@@ -3108,7 +3109,7 @@
             <a:effectLst/>
             <a:extLst>
               <a:ext uri="{91240B29-F687-4f45-9708-019B960494DF}">
-                <a14:hiddenLine xmlns="" xmlns:a14="http://schemas.microsoft.com/office/drawing/2010/main" w="9525">
+                <a14:hiddenLine xmlns:a14="http://schemas.microsoft.com/office/drawing/2010/main" xmlns="" w="9525">
                   <a:solidFill>
                     <a:schemeClr val="tx1"/>
                   </a:solidFill>
@@ -3118,7 +3119,7 @@
                 </a14:hiddenLine>
               </a:ext>
               <a:ext uri="{AF507438-7753-43e0-B8FC-AC1667EBCBE1}">
-                <a14:hiddenEffects xmlns="" xmlns:a14="http://schemas.microsoft.com/office/drawing/2010/main">
+                <a14:hiddenEffects xmlns:a14="http://schemas.microsoft.com/office/drawing/2010/main" xmlns="">
                   <a:effectLst>
                     <a:outerShdw blurRad="63500" dist="38099" dir="2700000" algn="ctr" rotWithShape="0">
                       <a:schemeClr val="bg2">
@@ -3163,7 +3164,7 @@
             <a:effectLst/>
             <a:extLst>
               <a:ext uri="{91240B29-F687-4f45-9708-019B960494DF}">
-                <a14:hiddenLine xmlns="" xmlns:a14="http://schemas.microsoft.com/office/drawing/2010/main" w="9525">
+                <a14:hiddenLine xmlns:a14="http://schemas.microsoft.com/office/drawing/2010/main" xmlns="" w="9525">
                   <a:solidFill>
                     <a:schemeClr val="tx1"/>
                   </a:solidFill>
@@ -3173,7 +3174,7 @@
                 </a14:hiddenLine>
               </a:ext>
               <a:ext uri="{AF507438-7753-43e0-B8FC-AC1667EBCBE1}">
-                <a14:hiddenEffects xmlns="" xmlns:a14="http://schemas.microsoft.com/office/drawing/2010/main">
+                <a14:hiddenEffects xmlns:a14="http://schemas.microsoft.com/office/drawing/2010/main" xmlns="">
                   <a:effectLst>
                     <a:outerShdw blurRad="63500" dist="38099" dir="2700000" algn="ctr" rotWithShape="0">
                       <a:schemeClr val="bg2">
@@ -3218,7 +3219,7 @@
             <a:effectLst/>
             <a:extLst>
               <a:ext uri="{91240B29-F687-4f45-9708-019B960494DF}">
-                <a14:hiddenLine xmlns="" xmlns:a14="http://schemas.microsoft.com/office/drawing/2010/main" w="9525">
+                <a14:hiddenLine xmlns:a14="http://schemas.microsoft.com/office/drawing/2010/main" xmlns="" w="9525">
                   <a:solidFill>
                     <a:schemeClr val="tx1"/>
                   </a:solidFill>
@@ -3228,7 +3229,7 @@
                 </a14:hiddenLine>
               </a:ext>
               <a:ext uri="{AF507438-7753-43e0-B8FC-AC1667EBCBE1}">
-                <a14:hiddenEffects xmlns="" xmlns:a14="http://schemas.microsoft.com/office/drawing/2010/main">
+                <a14:hiddenEffects xmlns:a14="http://schemas.microsoft.com/office/drawing/2010/main" xmlns="">
                   <a:effectLst>
                     <a:outerShdw blurRad="63500" dist="38099" dir="2700000" algn="ctr" rotWithShape="0">
                       <a:schemeClr val="bg2">
@@ -3273,7 +3274,7 @@
             <a:effectLst/>
             <a:extLst>
               <a:ext uri="{91240B29-F687-4f45-9708-019B960494DF}">
-                <a14:hiddenLine xmlns="" xmlns:a14="http://schemas.microsoft.com/office/drawing/2010/main" w="9525">
+                <a14:hiddenLine xmlns:a14="http://schemas.microsoft.com/office/drawing/2010/main" xmlns="" w="9525">
                   <a:solidFill>
                     <a:schemeClr val="tx1"/>
                   </a:solidFill>
@@ -3283,7 +3284,7 @@
                 </a14:hiddenLine>
               </a:ext>
               <a:ext uri="{AF507438-7753-43e0-B8FC-AC1667EBCBE1}">
-                <a14:hiddenEffects xmlns="" xmlns:a14="http://schemas.microsoft.com/office/drawing/2010/main">
+                <a14:hiddenEffects xmlns:a14="http://schemas.microsoft.com/office/drawing/2010/main" xmlns="">
                   <a:effectLst>
                     <a:outerShdw blurRad="63500" dist="38099" dir="2700000" algn="ctr" rotWithShape="0">
                       <a:schemeClr val="bg2">
@@ -3328,7 +3329,7 @@
             <a:effectLst/>
             <a:extLst>
               <a:ext uri="{91240B29-F687-4f45-9708-019B960494DF}">
-                <a14:hiddenLine xmlns="" xmlns:a14="http://schemas.microsoft.com/office/drawing/2010/main" w="9525">
+                <a14:hiddenLine xmlns:a14="http://schemas.microsoft.com/office/drawing/2010/main" xmlns="" w="9525">
                   <a:solidFill>
                     <a:schemeClr val="tx1"/>
                   </a:solidFill>
@@ -3338,7 +3339,7 @@
                 </a14:hiddenLine>
               </a:ext>
               <a:ext uri="{AF507438-7753-43e0-B8FC-AC1667EBCBE1}">
-                <a14:hiddenEffects xmlns="" xmlns:a14="http://schemas.microsoft.com/office/drawing/2010/main">
+                <a14:hiddenEffects xmlns:a14="http://schemas.microsoft.com/office/drawing/2010/main" xmlns="">
                   <a:effectLst>
                     <a:outerShdw blurRad="63500" dist="38099" dir="2700000" algn="ctr" rotWithShape="0">
                       <a:schemeClr val="bg2">
@@ -3383,7 +3384,7 @@
             <a:effectLst/>
             <a:extLst>
               <a:ext uri="{91240B29-F687-4f45-9708-019B960494DF}">
-                <a14:hiddenLine xmlns="" xmlns:a14="http://schemas.microsoft.com/office/drawing/2010/main" w="9525">
+                <a14:hiddenLine xmlns:a14="http://schemas.microsoft.com/office/drawing/2010/main" xmlns="" w="9525">
                   <a:solidFill>
                     <a:schemeClr val="tx1"/>
                   </a:solidFill>
@@ -3393,7 +3394,7 @@
                 </a14:hiddenLine>
               </a:ext>
               <a:ext uri="{AF507438-7753-43e0-B8FC-AC1667EBCBE1}">
-                <a14:hiddenEffects xmlns="" xmlns:a14="http://schemas.microsoft.com/office/drawing/2010/main">
+                <a14:hiddenEffects xmlns:a14="http://schemas.microsoft.com/office/drawing/2010/main" xmlns="">
                   <a:effectLst>
                     <a:outerShdw blurRad="63500" dist="38099" dir="2700000" algn="ctr" rotWithShape="0">
                       <a:schemeClr val="bg2">
@@ -3438,7 +3439,7 @@
             <a:effectLst/>
             <a:extLst>
               <a:ext uri="{91240B29-F687-4f45-9708-019B960494DF}">
-                <a14:hiddenLine xmlns="" xmlns:a14="http://schemas.microsoft.com/office/drawing/2010/main" w="9525">
+                <a14:hiddenLine xmlns:a14="http://schemas.microsoft.com/office/drawing/2010/main" xmlns="" w="9525">
                   <a:solidFill>
                     <a:schemeClr val="tx1"/>
                   </a:solidFill>
@@ -3448,7 +3449,7 @@
                 </a14:hiddenLine>
               </a:ext>
               <a:ext uri="{AF507438-7753-43e0-B8FC-AC1667EBCBE1}">
-                <a14:hiddenEffects xmlns="" xmlns:a14="http://schemas.microsoft.com/office/drawing/2010/main">
+                <a14:hiddenEffects xmlns:a14="http://schemas.microsoft.com/office/drawing/2010/main" xmlns="">
                   <a:effectLst>
                     <a:outerShdw blurRad="63500" dist="38099" dir="2700000" algn="ctr" rotWithShape="0">
                       <a:schemeClr val="bg2">
@@ -3493,7 +3494,7 @@
             <a:effectLst/>
             <a:extLst>
               <a:ext uri="{91240B29-F687-4f45-9708-019B960494DF}">
-                <a14:hiddenLine xmlns="" xmlns:a14="http://schemas.microsoft.com/office/drawing/2010/main" w="9525">
+                <a14:hiddenLine xmlns:a14="http://schemas.microsoft.com/office/drawing/2010/main" xmlns="" w="9525">
                   <a:solidFill>
                     <a:schemeClr val="tx1"/>
                   </a:solidFill>
@@ -3503,7 +3504,7 @@
                 </a14:hiddenLine>
               </a:ext>
               <a:ext uri="{AF507438-7753-43e0-B8FC-AC1667EBCBE1}">
-                <a14:hiddenEffects xmlns="" xmlns:a14="http://schemas.microsoft.com/office/drawing/2010/main">
+                <a14:hiddenEffects xmlns:a14="http://schemas.microsoft.com/office/drawing/2010/main" xmlns="">
                   <a:effectLst>
                     <a:outerShdw blurRad="63500" dist="38099" dir="2700000" algn="ctr" rotWithShape="0">
                       <a:schemeClr val="bg2">
@@ -3548,7 +3549,7 @@
             <a:effectLst/>
             <a:extLst>
               <a:ext uri="{91240B29-F687-4f45-9708-019B960494DF}">
-                <a14:hiddenLine xmlns="" xmlns:a14="http://schemas.microsoft.com/office/drawing/2010/main" w="9525">
+                <a14:hiddenLine xmlns:a14="http://schemas.microsoft.com/office/drawing/2010/main" xmlns="" w="9525">
                   <a:solidFill>
                     <a:schemeClr val="tx1"/>
                   </a:solidFill>
@@ -3558,7 +3559,7 @@
                 </a14:hiddenLine>
               </a:ext>
               <a:ext uri="{AF507438-7753-43e0-B8FC-AC1667EBCBE1}">
-                <a14:hiddenEffects xmlns="" xmlns:a14="http://schemas.microsoft.com/office/drawing/2010/main">
+                <a14:hiddenEffects xmlns:a14="http://schemas.microsoft.com/office/drawing/2010/main" xmlns="">
                   <a:effectLst>
                     <a:outerShdw blurRad="63500" dist="38099" dir="2700000" algn="ctr" rotWithShape="0">
                       <a:schemeClr val="bg2">
@@ -3603,7 +3604,7 @@
             <a:effectLst/>
             <a:extLst>
               <a:ext uri="{91240B29-F687-4f45-9708-019B960494DF}">
-                <a14:hiddenLine xmlns="" xmlns:a14="http://schemas.microsoft.com/office/drawing/2010/main" w="9525">
+                <a14:hiddenLine xmlns:a14="http://schemas.microsoft.com/office/drawing/2010/main" xmlns="" w="9525">
                   <a:solidFill>
                     <a:schemeClr val="tx1"/>
                   </a:solidFill>
@@ -3613,7 +3614,7 @@
                 </a14:hiddenLine>
               </a:ext>
               <a:ext uri="{AF507438-7753-43e0-B8FC-AC1667EBCBE1}">
-                <a14:hiddenEffects xmlns="" xmlns:a14="http://schemas.microsoft.com/office/drawing/2010/main">
+                <a14:hiddenEffects xmlns:a14="http://schemas.microsoft.com/office/drawing/2010/main" xmlns="">
                   <a:effectLst>
                     <a:outerShdw blurRad="63500" dist="38099" dir="2700000" algn="ctr" rotWithShape="0">
                       <a:schemeClr val="bg2">
@@ -3658,7 +3659,7 @@
             <a:effectLst/>
             <a:extLst>
               <a:ext uri="{91240B29-F687-4f45-9708-019B960494DF}">
-                <a14:hiddenLine xmlns="" xmlns:a14="http://schemas.microsoft.com/office/drawing/2010/main" w="9525">
+                <a14:hiddenLine xmlns:a14="http://schemas.microsoft.com/office/drawing/2010/main" xmlns="" w="9525">
                   <a:solidFill>
                     <a:schemeClr val="tx1"/>
                   </a:solidFill>
@@ -3668,7 +3669,7 @@
                 </a14:hiddenLine>
               </a:ext>
               <a:ext uri="{AF507438-7753-43e0-B8FC-AC1667EBCBE1}">
-                <a14:hiddenEffects xmlns="" xmlns:a14="http://schemas.microsoft.com/office/drawing/2010/main">
+                <a14:hiddenEffects xmlns:a14="http://schemas.microsoft.com/office/drawing/2010/main" xmlns="">
                   <a:effectLst>
                     <a:outerShdw blurRad="63500" dist="38099" dir="2700000" algn="ctr" rotWithShape="0">
                       <a:schemeClr val="bg2">
@@ -3713,7 +3714,7 @@
             <a:effectLst/>
             <a:extLst>
               <a:ext uri="{91240B29-F687-4f45-9708-019B960494DF}">
-                <a14:hiddenLine xmlns="" xmlns:a14="http://schemas.microsoft.com/office/drawing/2010/main" w="9525">
+                <a14:hiddenLine xmlns:a14="http://schemas.microsoft.com/office/drawing/2010/main" xmlns="" w="9525">
                   <a:solidFill>
                     <a:schemeClr val="tx1"/>
                   </a:solidFill>
@@ -3723,7 +3724,7 @@
                 </a14:hiddenLine>
               </a:ext>
               <a:ext uri="{AF507438-7753-43e0-B8FC-AC1667EBCBE1}">
-                <a14:hiddenEffects xmlns="" xmlns:a14="http://schemas.microsoft.com/office/drawing/2010/main">
+                <a14:hiddenEffects xmlns:a14="http://schemas.microsoft.com/office/drawing/2010/main" xmlns="">
                   <a:effectLst>
                     <a:outerShdw blurRad="63500" dist="38099" dir="2700000" algn="ctr" rotWithShape="0">
                       <a:schemeClr val="bg2">
@@ -3768,7 +3769,7 @@
             <a:effectLst/>
             <a:extLst>
               <a:ext uri="{91240B29-F687-4f45-9708-019B960494DF}">
-                <a14:hiddenLine xmlns="" xmlns:a14="http://schemas.microsoft.com/office/drawing/2010/main" w="9525">
+                <a14:hiddenLine xmlns:a14="http://schemas.microsoft.com/office/drawing/2010/main" xmlns="" w="9525">
                   <a:solidFill>
                     <a:schemeClr val="tx1"/>
                   </a:solidFill>
@@ -3778,7 +3779,7 @@
                 </a14:hiddenLine>
               </a:ext>
               <a:ext uri="{AF507438-7753-43e0-B8FC-AC1667EBCBE1}">
-                <a14:hiddenEffects xmlns="" xmlns:a14="http://schemas.microsoft.com/office/drawing/2010/main">
+                <a14:hiddenEffects xmlns:a14="http://schemas.microsoft.com/office/drawing/2010/main" xmlns="">
                   <a:effectLst>
                     <a:outerShdw blurRad="63500" dist="38099" dir="2700000" algn="ctr" rotWithShape="0">
                       <a:schemeClr val="bg2">
@@ -3823,7 +3824,7 @@
             <a:effectLst/>
             <a:extLst>
               <a:ext uri="{91240B29-F687-4f45-9708-019B960494DF}">
-                <a14:hiddenLine xmlns="" xmlns:a14="http://schemas.microsoft.com/office/drawing/2010/main" w="9525">
+                <a14:hiddenLine xmlns:a14="http://schemas.microsoft.com/office/drawing/2010/main" xmlns="" w="9525">
                   <a:solidFill>
                     <a:schemeClr val="tx1"/>
                   </a:solidFill>
@@ -3833,7 +3834,7 @@
                 </a14:hiddenLine>
               </a:ext>
               <a:ext uri="{AF507438-7753-43e0-B8FC-AC1667EBCBE1}">
-                <a14:hiddenEffects xmlns="" xmlns:a14="http://schemas.microsoft.com/office/drawing/2010/main">
+                <a14:hiddenEffects xmlns:a14="http://schemas.microsoft.com/office/drawing/2010/main" xmlns="">
                   <a:effectLst>
                     <a:outerShdw blurRad="63500" dist="38099" dir="2700000" algn="ctr" rotWithShape="0">
                       <a:schemeClr val="bg2">
@@ -3878,7 +3879,7 @@
             <a:effectLst/>
             <a:extLst>
               <a:ext uri="{91240B29-F687-4f45-9708-019B960494DF}">
-                <a14:hiddenLine xmlns="" xmlns:a14="http://schemas.microsoft.com/office/drawing/2010/main" w="9525">
+                <a14:hiddenLine xmlns:a14="http://schemas.microsoft.com/office/drawing/2010/main" xmlns="" w="9525">
                   <a:solidFill>
                     <a:schemeClr val="tx1"/>
                   </a:solidFill>
@@ -3888,7 +3889,7 @@
                 </a14:hiddenLine>
               </a:ext>
               <a:ext uri="{AF507438-7753-43e0-B8FC-AC1667EBCBE1}">
-                <a14:hiddenEffects xmlns="" xmlns:a14="http://schemas.microsoft.com/office/drawing/2010/main">
+                <a14:hiddenEffects xmlns:a14="http://schemas.microsoft.com/office/drawing/2010/main" xmlns="">
                   <a:effectLst>
                     <a:outerShdw blurRad="63500" dist="38099" dir="2700000" algn="ctr" rotWithShape="0">
                       <a:schemeClr val="bg2">
@@ -3933,7 +3934,7 @@
             <a:effectLst/>
             <a:extLst>
               <a:ext uri="{91240B29-F687-4f45-9708-019B960494DF}">
-                <a14:hiddenLine xmlns="" xmlns:a14="http://schemas.microsoft.com/office/drawing/2010/main" w="9525">
+                <a14:hiddenLine xmlns:a14="http://schemas.microsoft.com/office/drawing/2010/main" xmlns="" w="9525">
                   <a:solidFill>
                     <a:schemeClr val="tx1"/>
                   </a:solidFill>
@@ -3943,7 +3944,7 @@
                 </a14:hiddenLine>
               </a:ext>
               <a:ext uri="{AF507438-7753-43e0-B8FC-AC1667EBCBE1}">
-                <a14:hiddenEffects xmlns="" xmlns:a14="http://schemas.microsoft.com/office/drawing/2010/main">
+                <a14:hiddenEffects xmlns:a14="http://schemas.microsoft.com/office/drawing/2010/main" xmlns="">
                   <a:effectLst>
                     <a:outerShdw blurRad="63500" dist="38099" dir="2700000" algn="ctr" rotWithShape="0">
                       <a:schemeClr val="bg2">
@@ -3988,7 +3989,7 @@
             <a:effectLst/>
             <a:extLst>
               <a:ext uri="{91240B29-F687-4f45-9708-019B960494DF}">
-                <a14:hiddenLine xmlns="" xmlns:a14="http://schemas.microsoft.com/office/drawing/2010/main" w="9525">
+                <a14:hiddenLine xmlns:a14="http://schemas.microsoft.com/office/drawing/2010/main" xmlns="" w="9525">
                   <a:solidFill>
                     <a:schemeClr val="tx1"/>
                   </a:solidFill>
@@ -3998,7 +3999,7 @@
                 </a14:hiddenLine>
               </a:ext>
               <a:ext uri="{AF507438-7753-43e0-B8FC-AC1667EBCBE1}">
-                <a14:hiddenEffects xmlns="" xmlns:a14="http://schemas.microsoft.com/office/drawing/2010/main">
+                <a14:hiddenEffects xmlns:a14="http://schemas.microsoft.com/office/drawing/2010/main" xmlns="">
                   <a:effectLst>
                     <a:outerShdw blurRad="63500" dist="38099" dir="2700000" algn="ctr" rotWithShape="0">
                       <a:schemeClr val="bg2">
@@ -4043,7 +4044,7 @@
             <a:effectLst/>
             <a:extLst>
               <a:ext uri="{91240B29-F687-4f45-9708-019B960494DF}">
-                <a14:hiddenLine xmlns="" xmlns:a14="http://schemas.microsoft.com/office/drawing/2010/main" w="9525">
+                <a14:hiddenLine xmlns:a14="http://schemas.microsoft.com/office/drawing/2010/main" xmlns="" w="9525">
                   <a:solidFill>
                     <a:schemeClr val="tx1"/>
                   </a:solidFill>
@@ -4053,7 +4054,7 @@
                 </a14:hiddenLine>
               </a:ext>
               <a:ext uri="{AF507438-7753-43e0-B8FC-AC1667EBCBE1}">
-                <a14:hiddenEffects xmlns="" xmlns:a14="http://schemas.microsoft.com/office/drawing/2010/main">
+                <a14:hiddenEffects xmlns:a14="http://schemas.microsoft.com/office/drawing/2010/main" xmlns="">
                   <a:effectLst>
                     <a:outerShdw blurRad="63500" dist="38099" dir="2700000" algn="ctr" rotWithShape="0">
                       <a:schemeClr val="bg2">
@@ -4098,7 +4099,7 @@
             <a:effectLst/>
             <a:extLst>
               <a:ext uri="{91240B29-F687-4f45-9708-019B960494DF}">
-                <a14:hiddenLine xmlns="" xmlns:a14="http://schemas.microsoft.com/office/drawing/2010/main" w="9525">
+                <a14:hiddenLine xmlns:a14="http://schemas.microsoft.com/office/drawing/2010/main" xmlns="" w="9525">
                   <a:solidFill>
                     <a:schemeClr val="tx1"/>
                   </a:solidFill>
@@ -4108,7 +4109,7 @@
                 </a14:hiddenLine>
               </a:ext>
               <a:ext uri="{AF507438-7753-43e0-B8FC-AC1667EBCBE1}">
-                <a14:hiddenEffects xmlns="" xmlns:a14="http://schemas.microsoft.com/office/drawing/2010/main">
+                <a14:hiddenEffects xmlns:a14="http://schemas.microsoft.com/office/drawing/2010/main" xmlns="">
                   <a:effectLst>
                     <a:outerShdw blurRad="63500" dist="38099" dir="2700000" algn="ctr" rotWithShape="0">
                       <a:schemeClr val="bg2">
@@ -4153,7 +4154,7 @@
             <a:effectLst/>
             <a:extLst>
               <a:ext uri="{91240B29-F687-4f45-9708-019B960494DF}">
-                <a14:hiddenLine xmlns="" xmlns:a14="http://schemas.microsoft.com/office/drawing/2010/main" w="9525">
+                <a14:hiddenLine xmlns:a14="http://schemas.microsoft.com/office/drawing/2010/main" xmlns="" w="9525">
                   <a:solidFill>
                     <a:schemeClr val="tx1"/>
                   </a:solidFill>
@@ -4163,7 +4164,7 @@
                 </a14:hiddenLine>
               </a:ext>
               <a:ext uri="{AF507438-7753-43e0-B8FC-AC1667EBCBE1}">
-                <a14:hiddenEffects xmlns="" xmlns:a14="http://schemas.microsoft.com/office/drawing/2010/main">
+                <a14:hiddenEffects xmlns:a14="http://schemas.microsoft.com/office/drawing/2010/main" xmlns="">
                   <a:effectLst>
                     <a:outerShdw blurRad="63500" dist="38099" dir="2700000" algn="ctr" rotWithShape="0">
                       <a:schemeClr val="bg2">
@@ -4212,12 +4213,12 @@
           <a:effectLst/>
           <a:extLst>
             <a:ext uri="{909E8E84-426E-40dd-AFC4-6F175D3DCCD1}">
-              <a14:hiddenFill xmlns="" xmlns:a14="http://schemas.microsoft.com/office/drawing/2010/main">
+              <a14:hiddenFill xmlns:a14="http://schemas.microsoft.com/office/drawing/2010/main" xmlns="">
                 <a:noFill/>
               </a14:hiddenFill>
             </a:ext>
             <a:ext uri="{AF507438-7753-43e0-B8FC-AC1667EBCBE1}">
-              <a14:hiddenEffects xmlns="" xmlns:a14="http://schemas.microsoft.com/office/drawing/2010/main">
+              <a14:hiddenEffects xmlns:a14="http://schemas.microsoft.com/office/drawing/2010/main" xmlns="">
                 <a:effectLst>
                   <a:outerShdw blurRad="63500" dist="38099" dir="2700000" algn="ctr" rotWithShape="0">
                     <a:schemeClr val="bg2">
@@ -6565,12 +6566,12 @@
           <a:effectLst/>
           <a:extLst>
             <a:ext uri="{909E8E84-426E-40dd-AFC4-6F175D3DCCD1}">
-              <a14:hiddenFill xmlns="" xmlns:a14="http://schemas.microsoft.com/office/drawing/2010/main">
+              <a14:hiddenFill xmlns:a14="http://schemas.microsoft.com/office/drawing/2010/main" xmlns="">
                 <a:noFill/>
               </a14:hiddenFill>
             </a:ext>
             <a:ext uri="{AF507438-7753-43e0-B8FC-AC1667EBCBE1}">
-              <a14:hiddenEffects xmlns="" xmlns:a14="http://schemas.microsoft.com/office/drawing/2010/main">
+              <a14:hiddenEffects xmlns:a14="http://schemas.microsoft.com/office/drawing/2010/main" xmlns="">
                 <a:effectLst>
                   <a:outerShdw blurRad="63500" dist="38099" dir="2700000" algn="ctr" rotWithShape="0">
                     <a:schemeClr val="bg2">
@@ -6618,14 +6619,14 @@
               <ma14:placeholderFlag xmlns:ma14="http://schemas.microsoft.com/office/mac/drawingml/2011/main" val="1"/>
             </a:ext>
             <a:ext uri="{909E8E84-426E-40dd-AFC4-6F175D3DCCD1}">
-              <a14:hiddenFill xmlns="" xmlns:a14="http://schemas.microsoft.com/office/drawing/2010/main">
+              <a14:hiddenFill xmlns:a14="http://schemas.microsoft.com/office/drawing/2010/main" xmlns="">
                 <a:solidFill>
                   <a:schemeClr val="accent1"/>
                 </a:solidFill>
               </a14:hiddenFill>
             </a:ext>
             <a:ext uri="{91240B29-F687-4f45-9708-019B960494DF}">
-              <a14:hiddenLine xmlns="" xmlns:a14="http://schemas.microsoft.com/office/drawing/2010/main" w="9525">
+              <a14:hiddenLine xmlns:a14="http://schemas.microsoft.com/office/drawing/2010/main" xmlns="" w="9525">
                 <a:solidFill>
                   <a:schemeClr val="tx1"/>
                 </a:solidFill>
@@ -6635,7 +6636,7 @@
               </a14:hiddenLine>
             </a:ext>
             <a:ext uri="{AF507438-7753-43e0-B8FC-AC1667EBCBE1}">
-              <a14:hiddenEffects xmlns="" xmlns:a14="http://schemas.microsoft.com/office/drawing/2010/main">
+              <a14:hiddenEffects xmlns:a14="http://schemas.microsoft.com/office/drawing/2010/main" xmlns="">
                 <a:effectLst>
                   <a:outerShdw blurRad="63500" dist="38099" dir="2700000" algn="ctr" rotWithShape="0">
                     <a:schemeClr val="bg2">
@@ -6691,14 +6692,14 @@
               <ma14:placeholderFlag xmlns:ma14="http://schemas.microsoft.com/office/mac/drawingml/2011/main" val="1"/>
             </a:ext>
             <a:ext uri="{909E8E84-426E-40dd-AFC4-6F175D3DCCD1}">
-              <a14:hiddenFill xmlns="" xmlns:a14="http://schemas.microsoft.com/office/drawing/2010/main">
+              <a14:hiddenFill xmlns:a14="http://schemas.microsoft.com/office/drawing/2010/main" xmlns="">
                 <a:solidFill>
                   <a:schemeClr val="accent1"/>
                 </a:solidFill>
               </a14:hiddenFill>
             </a:ext>
             <a:ext uri="{91240B29-F687-4f45-9708-019B960494DF}">
-              <a14:hiddenLine xmlns="" xmlns:a14="http://schemas.microsoft.com/office/drawing/2010/main" w="9525">
+              <a14:hiddenLine xmlns:a14="http://schemas.microsoft.com/office/drawing/2010/main" xmlns="" w="9525">
                 <a:solidFill>
                   <a:schemeClr val="tx1"/>
                 </a:solidFill>
@@ -6708,7 +6709,7 @@
               </a14:hiddenLine>
             </a:ext>
             <a:ext uri="{AF507438-7753-43e0-B8FC-AC1667EBCBE1}">
-              <a14:hiddenEffects xmlns="" xmlns:a14="http://schemas.microsoft.com/office/drawing/2010/main">
+              <a14:hiddenEffects xmlns:a14="http://schemas.microsoft.com/office/drawing/2010/main" xmlns="">
                 <a:effectLst>
                   <a:outerShdw blurRad="63500" dist="38099" dir="2700000" algn="ctr" rotWithShape="0">
                     <a:schemeClr val="bg2">
@@ -6792,14 +6793,14 @@
               <ma14:placeholderFlag xmlns:ma14="http://schemas.microsoft.com/office/mac/drawingml/2011/main" val="1"/>
             </a:ext>
             <a:ext uri="{909E8E84-426E-40dd-AFC4-6F175D3DCCD1}">
-              <a14:hiddenFill xmlns="" xmlns:a14="http://schemas.microsoft.com/office/drawing/2010/main">
+              <a14:hiddenFill xmlns:a14="http://schemas.microsoft.com/office/drawing/2010/main" xmlns="">
                 <a:solidFill>
                   <a:schemeClr val="accent1"/>
                 </a:solidFill>
               </a14:hiddenFill>
             </a:ext>
             <a:ext uri="{91240B29-F687-4f45-9708-019B960494DF}">
-              <a14:hiddenLine xmlns="" xmlns:a14="http://schemas.microsoft.com/office/drawing/2010/main" w="9525">
+              <a14:hiddenLine xmlns:a14="http://schemas.microsoft.com/office/drawing/2010/main" xmlns="" w="9525">
                 <a:solidFill>
                   <a:schemeClr val="tx1"/>
                 </a:solidFill>
@@ -6809,7 +6810,7 @@
               </a14:hiddenLine>
             </a:ext>
             <a:ext uri="{AF507438-7753-43e0-B8FC-AC1667EBCBE1}">
-              <a14:hiddenEffects xmlns="" xmlns:a14="http://schemas.microsoft.com/office/drawing/2010/main">
+              <a14:hiddenEffects xmlns:a14="http://schemas.microsoft.com/office/drawing/2010/main" xmlns="">
                 <a:effectLst>
                   <a:outerShdw blurRad="63500" dist="38099" dir="2700000" algn="ctr" rotWithShape="0">
                     <a:schemeClr val="bg2">
@@ -6865,14 +6866,14 @@
               <ma14:placeholderFlag xmlns:ma14="http://schemas.microsoft.com/office/mac/drawingml/2011/main" val="1"/>
             </a:ext>
             <a:ext uri="{909E8E84-426E-40dd-AFC4-6F175D3DCCD1}">
-              <a14:hiddenFill xmlns="" xmlns:a14="http://schemas.microsoft.com/office/drawing/2010/main">
+              <a14:hiddenFill xmlns:a14="http://schemas.microsoft.com/office/drawing/2010/main" xmlns="">
                 <a:solidFill>
                   <a:schemeClr val="accent1"/>
                 </a:solidFill>
               </a14:hiddenFill>
             </a:ext>
             <a:ext uri="{91240B29-F687-4f45-9708-019B960494DF}">
-              <a14:hiddenLine xmlns="" xmlns:a14="http://schemas.microsoft.com/office/drawing/2010/main" w="9525">
+              <a14:hiddenLine xmlns:a14="http://schemas.microsoft.com/office/drawing/2010/main" xmlns="" w="9525">
                 <a:solidFill>
                   <a:schemeClr val="tx1"/>
                 </a:solidFill>
@@ -6882,7 +6883,7 @@
               </a14:hiddenLine>
             </a:ext>
             <a:ext uri="{AF507438-7753-43e0-B8FC-AC1667EBCBE1}">
-              <a14:hiddenEffects xmlns="" xmlns:a14="http://schemas.microsoft.com/office/drawing/2010/main">
+              <a14:hiddenEffects xmlns:a14="http://schemas.microsoft.com/office/drawing/2010/main" xmlns="">
                 <a:effectLst>
                   <a:outerShdw blurRad="63500" dist="38099" dir="2700000" algn="ctr" rotWithShape="0">
                     <a:schemeClr val="bg2">
@@ -6938,14 +6939,14 @@
               <ma14:placeholderFlag xmlns:ma14="http://schemas.microsoft.com/office/mac/drawingml/2011/main" val="1"/>
             </a:ext>
             <a:ext uri="{909E8E84-426E-40dd-AFC4-6F175D3DCCD1}">
-              <a14:hiddenFill xmlns="" xmlns:a14="http://schemas.microsoft.com/office/drawing/2010/main">
+              <a14:hiddenFill xmlns:a14="http://schemas.microsoft.com/office/drawing/2010/main" xmlns="">
                 <a:solidFill>
                   <a:schemeClr val="accent1"/>
                 </a:solidFill>
               </a14:hiddenFill>
             </a:ext>
             <a:ext uri="{91240B29-F687-4f45-9708-019B960494DF}">
-              <a14:hiddenLine xmlns="" xmlns:a14="http://schemas.microsoft.com/office/drawing/2010/main" w="9525">
+              <a14:hiddenLine xmlns:a14="http://schemas.microsoft.com/office/drawing/2010/main" xmlns="" w="9525">
                 <a:solidFill>
                   <a:schemeClr val="tx1"/>
                 </a:solidFill>
@@ -6955,7 +6956,7 @@
               </a14:hiddenLine>
             </a:ext>
             <a:ext uri="{AF507438-7753-43e0-B8FC-AC1667EBCBE1}">
-              <a14:hiddenEffects xmlns="" xmlns:a14="http://schemas.microsoft.com/office/drawing/2010/main">
+              <a14:hiddenEffects xmlns:a14="http://schemas.microsoft.com/office/drawing/2010/main" xmlns="">
                 <a:effectLst>
                   <a:outerShdw blurRad="63500" dist="38099" dir="2700000" algn="ctr" rotWithShape="0">
                     <a:schemeClr val="bg2">
@@ -7029,7 +7030,7 @@
             <a:effectLst/>
             <a:extLst>
               <a:ext uri="{91240B29-F687-4f45-9708-019B960494DF}">
-                <a14:hiddenLine xmlns="" xmlns:a14="http://schemas.microsoft.com/office/drawing/2010/main" w="9525">
+                <a14:hiddenLine xmlns:a14="http://schemas.microsoft.com/office/drawing/2010/main" xmlns="" w="9525">
                   <a:solidFill>
                     <a:schemeClr val="tx1"/>
                   </a:solidFill>
@@ -7039,7 +7040,7 @@
                 </a14:hiddenLine>
               </a:ext>
               <a:ext uri="{AF507438-7753-43e0-B8FC-AC1667EBCBE1}">
-                <a14:hiddenEffects xmlns="" xmlns:a14="http://schemas.microsoft.com/office/drawing/2010/main">
+                <a14:hiddenEffects xmlns:a14="http://schemas.microsoft.com/office/drawing/2010/main" xmlns="">
                   <a:effectLst>
                     <a:outerShdw blurRad="63500" dist="38099" dir="2700000" algn="ctr" rotWithShape="0">
                       <a:schemeClr val="bg2">
@@ -7084,7 +7085,7 @@
             <a:effectLst/>
             <a:extLst>
               <a:ext uri="{91240B29-F687-4f45-9708-019B960494DF}">
-                <a14:hiddenLine xmlns="" xmlns:a14="http://schemas.microsoft.com/office/drawing/2010/main" w="9525">
+                <a14:hiddenLine xmlns:a14="http://schemas.microsoft.com/office/drawing/2010/main" xmlns="" w="9525">
                   <a:solidFill>
                     <a:schemeClr val="tx1"/>
                   </a:solidFill>
@@ -7094,7 +7095,7 @@
                 </a14:hiddenLine>
               </a:ext>
               <a:ext uri="{AF507438-7753-43e0-B8FC-AC1667EBCBE1}">
-                <a14:hiddenEffects xmlns="" xmlns:a14="http://schemas.microsoft.com/office/drawing/2010/main">
+                <a14:hiddenEffects xmlns:a14="http://schemas.microsoft.com/office/drawing/2010/main" xmlns="">
                   <a:effectLst>
                     <a:outerShdw blurRad="63500" dist="38099" dir="2700000" algn="ctr" rotWithShape="0">
                       <a:schemeClr val="bg2">
@@ -7139,7 +7140,7 @@
             <a:effectLst/>
             <a:extLst>
               <a:ext uri="{91240B29-F687-4f45-9708-019B960494DF}">
-                <a14:hiddenLine xmlns="" xmlns:a14="http://schemas.microsoft.com/office/drawing/2010/main" w="9525">
+                <a14:hiddenLine xmlns:a14="http://schemas.microsoft.com/office/drawing/2010/main" xmlns="" w="9525">
                   <a:solidFill>
                     <a:schemeClr val="tx1"/>
                   </a:solidFill>
@@ -7149,7 +7150,7 @@
                 </a14:hiddenLine>
               </a:ext>
               <a:ext uri="{AF507438-7753-43e0-B8FC-AC1667EBCBE1}">
-                <a14:hiddenEffects xmlns="" xmlns:a14="http://schemas.microsoft.com/office/drawing/2010/main">
+                <a14:hiddenEffects xmlns:a14="http://schemas.microsoft.com/office/drawing/2010/main" xmlns="">
                   <a:effectLst>
                     <a:outerShdw blurRad="63500" dist="38099" dir="2700000" algn="ctr" rotWithShape="0">
                       <a:schemeClr val="bg2">
@@ -7194,7 +7195,7 @@
             <a:effectLst/>
             <a:extLst>
               <a:ext uri="{91240B29-F687-4f45-9708-019B960494DF}">
-                <a14:hiddenLine xmlns="" xmlns:a14="http://schemas.microsoft.com/office/drawing/2010/main" w="9525">
+                <a14:hiddenLine xmlns:a14="http://schemas.microsoft.com/office/drawing/2010/main" xmlns="" w="9525">
                   <a:solidFill>
                     <a:schemeClr val="tx1"/>
                   </a:solidFill>
@@ -7204,7 +7205,7 @@
                 </a14:hiddenLine>
               </a:ext>
               <a:ext uri="{AF507438-7753-43e0-B8FC-AC1667EBCBE1}">
-                <a14:hiddenEffects xmlns="" xmlns:a14="http://schemas.microsoft.com/office/drawing/2010/main">
+                <a14:hiddenEffects xmlns:a14="http://schemas.microsoft.com/office/drawing/2010/main" xmlns="">
                   <a:effectLst>
                     <a:outerShdw blurRad="63500" dist="38099" dir="2700000" algn="ctr" rotWithShape="0">
                       <a:schemeClr val="bg2">
@@ -7249,7 +7250,7 @@
             <a:effectLst/>
             <a:extLst>
               <a:ext uri="{91240B29-F687-4f45-9708-019B960494DF}">
-                <a14:hiddenLine xmlns="" xmlns:a14="http://schemas.microsoft.com/office/drawing/2010/main" w="9525">
+                <a14:hiddenLine xmlns:a14="http://schemas.microsoft.com/office/drawing/2010/main" xmlns="" w="9525">
                   <a:solidFill>
                     <a:schemeClr val="tx1"/>
                   </a:solidFill>
@@ -7259,7 +7260,7 @@
                 </a14:hiddenLine>
               </a:ext>
               <a:ext uri="{AF507438-7753-43e0-B8FC-AC1667EBCBE1}">
-                <a14:hiddenEffects xmlns="" xmlns:a14="http://schemas.microsoft.com/office/drawing/2010/main">
+                <a14:hiddenEffects xmlns:a14="http://schemas.microsoft.com/office/drawing/2010/main" xmlns="">
                   <a:effectLst>
                     <a:outerShdw blurRad="63500" dist="38099" dir="2700000" algn="ctr" rotWithShape="0">
                       <a:schemeClr val="bg2">
@@ -7304,7 +7305,7 @@
             <a:effectLst/>
             <a:extLst>
               <a:ext uri="{91240B29-F687-4f45-9708-019B960494DF}">
-                <a14:hiddenLine xmlns="" xmlns:a14="http://schemas.microsoft.com/office/drawing/2010/main" w="9525">
+                <a14:hiddenLine xmlns:a14="http://schemas.microsoft.com/office/drawing/2010/main" xmlns="" w="9525">
                   <a:solidFill>
                     <a:schemeClr val="tx1"/>
                   </a:solidFill>
@@ -7314,7 +7315,7 @@
                 </a14:hiddenLine>
               </a:ext>
               <a:ext uri="{AF507438-7753-43e0-B8FC-AC1667EBCBE1}">
-                <a14:hiddenEffects xmlns="" xmlns:a14="http://schemas.microsoft.com/office/drawing/2010/main">
+                <a14:hiddenEffects xmlns:a14="http://schemas.microsoft.com/office/drawing/2010/main" xmlns="">
                   <a:effectLst>
                     <a:outerShdw blurRad="63500" dist="38099" dir="2700000" algn="ctr" rotWithShape="0">
                       <a:schemeClr val="bg2">
@@ -7359,7 +7360,7 @@
             <a:effectLst/>
             <a:extLst>
               <a:ext uri="{91240B29-F687-4f45-9708-019B960494DF}">
-                <a14:hiddenLine xmlns="" xmlns:a14="http://schemas.microsoft.com/office/drawing/2010/main" w="9525">
+                <a14:hiddenLine xmlns:a14="http://schemas.microsoft.com/office/drawing/2010/main" xmlns="" w="9525">
                   <a:solidFill>
                     <a:schemeClr val="tx1"/>
                   </a:solidFill>
@@ -7369,7 +7370,7 @@
                 </a14:hiddenLine>
               </a:ext>
               <a:ext uri="{AF507438-7753-43e0-B8FC-AC1667EBCBE1}">
-                <a14:hiddenEffects xmlns="" xmlns:a14="http://schemas.microsoft.com/office/drawing/2010/main">
+                <a14:hiddenEffects xmlns:a14="http://schemas.microsoft.com/office/drawing/2010/main" xmlns="">
                   <a:effectLst>
                     <a:outerShdw blurRad="63500" dist="38099" dir="2700000" algn="ctr" rotWithShape="0">
                       <a:schemeClr val="bg2">
@@ -7414,7 +7415,7 @@
             <a:effectLst/>
             <a:extLst>
               <a:ext uri="{91240B29-F687-4f45-9708-019B960494DF}">
-                <a14:hiddenLine xmlns="" xmlns:a14="http://schemas.microsoft.com/office/drawing/2010/main" w="9525">
+                <a14:hiddenLine xmlns:a14="http://schemas.microsoft.com/office/drawing/2010/main" xmlns="" w="9525">
                   <a:solidFill>
                     <a:schemeClr val="tx1"/>
                   </a:solidFill>
@@ -7424,7 +7425,7 @@
                 </a14:hiddenLine>
               </a:ext>
               <a:ext uri="{AF507438-7753-43e0-B8FC-AC1667EBCBE1}">
-                <a14:hiddenEffects xmlns="" xmlns:a14="http://schemas.microsoft.com/office/drawing/2010/main">
+                <a14:hiddenEffects xmlns:a14="http://schemas.microsoft.com/office/drawing/2010/main" xmlns="">
                   <a:effectLst>
                     <a:outerShdw blurRad="63500" dist="38099" dir="2700000" algn="ctr" rotWithShape="0">
                       <a:schemeClr val="bg2">
@@ -7469,7 +7470,7 @@
             <a:effectLst/>
             <a:extLst>
               <a:ext uri="{91240B29-F687-4f45-9708-019B960494DF}">
-                <a14:hiddenLine xmlns="" xmlns:a14="http://schemas.microsoft.com/office/drawing/2010/main" w="9525">
+                <a14:hiddenLine xmlns:a14="http://schemas.microsoft.com/office/drawing/2010/main" xmlns="" w="9525">
                   <a:solidFill>
                     <a:schemeClr val="tx1"/>
                   </a:solidFill>
@@ -7479,7 +7480,7 @@
                 </a14:hiddenLine>
               </a:ext>
               <a:ext uri="{AF507438-7753-43e0-B8FC-AC1667EBCBE1}">
-                <a14:hiddenEffects xmlns="" xmlns:a14="http://schemas.microsoft.com/office/drawing/2010/main">
+                <a14:hiddenEffects xmlns:a14="http://schemas.microsoft.com/office/drawing/2010/main" xmlns="">
                   <a:effectLst>
                     <a:outerShdw blurRad="63500" dist="38099" dir="2700000" algn="ctr" rotWithShape="0">
                       <a:schemeClr val="bg2">
@@ -7524,7 +7525,7 @@
             <a:effectLst/>
             <a:extLst>
               <a:ext uri="{91240B29-F687-4f45-9708-019B960494DF}">
-                <a14:hiddenLine xmlns="" xmlns:a14="http://schemas.microsoft.com/office/drawing/2010/main" w="9525">
+                <a14:hiddenLine xmlns:a14="http://schemas.microsoft.com/office/drawing/2010/main" xmlns="" w="9525">
                   <a:solidFill>
                     <a:schemeClr val="tx1"/>
                   </a:solidFill>
@@ -7534,7 +7535,7 @@
                 </a14:hiddenLine>
               </a:ext>
               <a:ext uri="{AF507438-7753-43e0-B8FC-AC1667EBCBE1}">
-                <a14:hiddenEffects xmlns="" xmlns:a14="http://schemas.microsoft.com/office/drawing/2010/main">
+                <a14:hiddenEffects xmlns:a14="http://schemas.microsoft.com/office/drawing/2010/main" xmlns="">
                   <a:effectLst>
                     <a:outerShdw blurRad="63500" dist="38099" dir="2700000" algn="ctr" rotWithShape="0">
                       <a:schemeClr val="bg2">
@@ -7579,7 +7580,7 @@
             <a:effectLst/>
             <a:extLst>
               <a:ext uri="{91240B29-F687-4f45-9708-019B960494DF}">
-                <a14:hiddenLine xmlns="" xmlns:a14="http://schemas.microsoft.com/office/drawing/2010/main" w="9525">
+                <a14:hiddenLine xmlns:a14="http://schemas.microsoft.com/office/drawing/2010/main" xmlns="" w="9525">
                   <a:solidFill>
                     <a:schemeClr val="tx1"/>
                   </a:solidFill>
@@ -7589,7 +7590,7 @@
                 </a14:hiddenLine>
               </a:ext>
               <a:ext uri="{AF507438-7753-43e0-B8FC-AC1667EBCBE1}">
-                <a14:hiddenEffects xmlns="" xmlns:a14="http://schemas.microsoft.com/office/drawing/2010/main">
+                <a14:hiddenEffects xmlns:a14="http://schemas.microsoft.com/office/drawing/2010/main" xmlns="">
                   <a:effectLst>
                     <a:outerShdw blurRad="63500" dist="38099" dir="2700000" algn="ctr" rotWithShape="0">
                       <a:schemeClr val="bg2">
@@ -7634,7 +7635,7 @@
             <a:effectLst/>
             <a:extLst>
               <a:ext uri="{91240B29-F687-4f45-9708-019B960494DF}">
-                <a14:hiddenLine xmlns="" xmlns:a14="http://schemas.microsoft.com/office/drawing/2010/main" w="9525">
+                <a14:hiddenLine xmlns:a14="http://schemas.microsoft.com/office/drawing/2010/main" xmlns="" w="9525">
                   <a:solidFill>
                     <a:schemeClr val="tx1"/>
                   </a:solidFill>
@@ -7644,7 +7645,7 @@
                 </a14:hiddenLine>
               </a:ext>
               <a:ext uri="{AF507438-7753-43e0-B8FC-AC1667EBCBE1}">
-                <a14:hiddenEffects xmlns="" xmlns:a14="http://schemas.microsoft.com/office/drawing/2010/main">
+                <a14:hiddenEffects xmlns:a14="http://schemas.microsoft.com/office/drawing/2010/main" xmlns="">
                   <a:effectLst>
                     <a:outerShdw blurRad="63500" dist="38099" dir="2700000" algn="ctr" rotWithShape="0">
                       <a:schemeClr val="bg2">
@@ -7689,7 +7690,7 @@
             <a:effectLst/>
             <a:extLst>
               <a:ext uri="{91240B29-F687-4f45-9708-019B960494DF}">
-                <a14:hiddenLine xmlns="" xmlns:a14="http://schemas.microsoft.com/office/drawing/2010/main" w="9525">
+                <a14:hiddenLine xmlns:a14="http://schemas.microsoft.com/office/drawing/2010/main" xmlns="" w="9525">
                   <a:solidFill>
                     <a:schemeClr val="tx1"/>
                   </a:solidFill>
@@ -7699,7 +7700,7 @@
                 </a14:hiddenLine>
               </a:ext>
               <a:ext uri="{AF507438-7753-43e0-B8FC-AC1667EBCBE1}">
-                <a14:hiddenEffects xmlns="" xmlns:a14="http://schemas.microsoft.com/office/drawing/2010/main">
+                <a14:hiddenEffects xmlns:a14="http://schemas.microsoft.com/office/drawing/2010/main" xmlns="">
                   <a:effectLst>
                     <a:outerShdw blurRad="63500" dist="38099" dir="2700000" algn="ctr" rotWithShape="0">
                       <a:schemeClr val="bg2">
@@ -7744,7 +7745,7 @@
             <a:effectLst/>
             <a:extLst>
               <a:ext uri="{91240B29-F687-4f45-9708-019B960494DF}">
-                <a14:hiddenLine xmlns="" xmlns:a14="http://schemas.microsoft.com/office/drawing/2010/main" w="9525">
+                <a14:hiddenLine xmlns:a14="http://schemas.microsoft.com/office/drawing/2010/main" xmlns="" w="9525">
                   <a:solidFill>
                     <a:schemeClr val="tx1"/>
                   </a:solidFill>
@@ -7754,7 +7755,7 @@
                 </a14:hiddenLine>
               </a:ext>
               <a:ext uri="{AF507438-7753-43e0-B8FC-AC1667EBCBE1}">
-                <a14:hiddenEffects xmlns="" xmlns:a14="http://schemas.microsoft.com/office/drawing/2010/main">
+                <a14:hiddenEffects xmlns:a14="http://schemas.microsoft.com/office/drawing/2010/main" xmlns="">
                   <a:effectLst>
                     <a:outerShdw blurRad="63500" dist="38099" dir="2700000" algn="ctr" rotWithShape="0">
                       <a:schemeClr val="bg2">
@@ -7799,7 +7800,7 @@
             <a:effectLst/>
             <a:extLst>
               <a:ext uri="{91240B29-F687-4f45-9708-019B960494DF}">
-                <a14:hiddenLine xmlns="" xmlns:a14="http://schemas.microsoft.com/office/drawing/2010/main" w="9525">
+                <a14:hiddenLine xmlns:a14="http://schemas.microsoft.com/office/drawing/2010/main" xmlns="" w="9525">
                   <a:solidFill>
                     <a:schemeClr val="tx1"/>
                   </a:solidFill>
@@ -7809,7 +7810,7 @@
                 </a14:hiddenLine>
               </a:ext>
               <a:ext uri="{AF507438-7753-43e0-B8FC-AC1667EBCBE1}">
-                <a14:hiddenEffects xmlns="" xmlns:a14="http://schemas.microsoft.com/office/drawing/2010/main">
+                <a14:hiddenEffects xmlns:a14="http://schemas.microsoft.com/office/drawing/2010/main" xmlns="">
                   <a:effectLst>
                     <a:outerShdw blurRad="63500" dist="38099" dir="2700000" algn="ctr" rotWithShape="0">
                       <a:schemeClr val="bg2">
@@ -7854,7 +7855,7 @@
             <a:effectLst/>
             <a:extLst>
               <a:ext uri="{91240B29-F687-4f45-9708-019B960494DF}">
-                <a14:hiddenLine xmlns="" xmlns:a14="http://schemas.microsoft.com/office/drawing/2010/main" w="9525">
+                <a14:hiddenLine xmlns:a14="http://schemas.microsoft.com/office/drawing/2010/main" xmlns="" w="9525">
                   <a:solidFill>
                     <a:schemeClr val="tx1"/>
                   </a:solidFill>
@@ -7864,7 +7865,7 @@
                 </a14:hiddenLine>
               </a:ext>
               <a:ext uri="{AF507438-7753-43e0-B8FC-AC1667EBCBE1}">
-                <a14:hiddenEffects xmlns="" xmlns:a14="http://schemas.microsoft.com/office/drawing/2010/main">
+                <a14:hiddenEffects xmlns:a14="http://schemas.microsoft.com/office/drawing/2010/main" xmlns="">
                   <a:effectLst>
                     <a:outerShdw blurRad="63500" dist="38099" dir="2700000" algn="ctr" rotWithShape="0">
                       <a:schemeClr val="bg2">
@@ -7909,7 +7910,7 @@
             <a:effectLst/>
             <a:extLst>
               <a:ext uri="{91240B29-F687-4f45-9708-019B960494DF}">
-                <a14:hiddenLine xmlns="" xmlns:a14="http://schemas.microsoft.com/office/drawing/2010/main" w="9525">
+                <a14:hiddenLine xmlns:a14="http://schemas.microsoft.com/office/drawing/2010/main" xmlns="" w="9525">
                   <a:solidFill>
                     <a:schemeClr val="tx1"/>
                   </a:solidFill>
@@ -7919,7 +7920,7 @@
                 </a14:hiddenLine>
               </a:ext>
               <a:ext uri="{AF507438-7753-43e0-B8FC-AC1667EBCBE1}">
-                <a14:hiddenEffects xmlns="" xmlns:a14="http://schemas.microsoft.com/office/drawing/2010/main">
+                <a14:hiddenEffects xmlns:a14="http://schemas.microsoft.com/office/drawing/2010/main" xmlns="">
                   <a:effectLst>
                     <a:outerShdw blurRad="63500" dist="38099" dir="2700000" algn="ctr" rotWithShape="0">
                       <a:schemeClr val="bg2">
@@ -7964,7 +7965,7 @@
             <a:effectLst/>
             <a:extLst>
               <a:ext uri="{91240B29-F687-4f45-9708-019B960494DF}">
-                <a14:hiddenLine xmlns="" xmlns:a14="http://schemas.microsoft.com/office/drawing/2010/main" w="9525">
+                <a14:hiddenLine xmlns:a14="http://schemas.microsoft.com/office/drawing/2010/main" xmlns="" w="9525">
                   <a:solidFill>
                     <a:schemeClr val="tx1"/>
                   </a:solidFill>
@@ -7974,7 +7975,7 @@
                 </a14:hiddenLine>
               </a:ext>
               <a:ext uri="{AF507438-7753-43e0-B8FC-AC1667EBCBE1}">
-                <a14:hiddenEffects xmlns="" xmlns:a14="http://schemas.microsoft.com/office/drawing/2010/main">
+                <a14:hiddenEffects xmlns:a14="http://schemas.microsoft.com/office/drawing/2010/main" xmlns="">
                   <a:effectLst>
                     <a:outerShdw blurRad="63500" dist="38099" dir="2700000" algn="ctr" rotWithShape="0">
                       <a:schemeClr val="bg2">
@@ -8019,7 +8020,7 @@
             <a:effectLst/>
             <a:extLst>
               <a:ext uri="{91240B29-F687-4f45-9708-019B960494DF}">
-                <a14:hiddenLine xmlns="" xmlns:a14="http://schemas.microsoft.com/office/drawing/2010/main" w="9525">
+                <a14:hiddenLine xmlns:a14="http://schemas.microsoft.com/office/drawing/2010/main" xmlns="" w="9525">
                   <a:solidFill>
                     <a:schemeClr val="tx1"/>
                   </a:solidFill>
@@ -8029,7 +8030,7 @@
                 </a14:hiddenLine>
               </a:ext>
               <a:ext uri="{AF507438-7753-43e0-B8FC-AC1667EBCBE1}">
-                <a14:hiddenEffects xmlns="" xmlns:a14="http://schemas.microsoft.com/office/drawing/2010/main">
+                <a14:hiddenEffects xmlns:a14="http://schemas.microsoft.com/office/drawing/2010/main" xmlns="">
                   <a:effectLst>
                     <a:outerShdw blurRad="63500" dist="38099" dir="2700000" algn="ctr" rotWithShape="0">
                       <a:schemeClr val="bg2">
@@ -8074,7 +8075,7 @@
             <a:effectLst/>
             <a:extLst>
               <a:ext uri="{91240B29-F687-4f45-9708-019B960494DF}">
-                <a14:hiddenLine xmlns="" xmlns:a14="http://schemas.microsoft.com/office/drawing/2010/main" w="9525">
+                <a14:hiddenLine xmlns:a14="http://schemas.microsoft.com/office/drawing/2010/main" xmlns="" w="9525">
                   <a:solidFill>
                     <a:schemeClr val="tx1"/>
                   </a:solidFill>
@@ -8084,7 +8085,7 @@
                 </a14:hiddenLine>
               </a:ext>
               <a:ext uri="{AF507438-7753-43e0-B8FC-AC1667EBCBE1}">
-                <a14:hiddenEffects xmlns="" xmlns:a14="http://schemas.microsoft.com/office/drawing/2010/main">
+                <a14:hiddenEffects xmlns:a14="http://schemas.microsoft.com/office/drawing/2010/main" xmlns="">
                   <a:effectLst>
                     <a:outerShdw blurRad="63500" dist="38099" dir="2700000" algn="ctr" rotWithShape="0">
                       <a:schemeClr val="bg2">
@@ -8129,7 +8130,7 @@
             <a:effectLst/>
             <a:extLst>
               <a:ext uri="{91240B29-F687-4f45-9708-019B960494DF}">
-                <a14:hiddenLine xmlns="" xmlns:a14="http://schemas.microsoft.com/office/drawing/2010/main" w="9525">
+                <a14:hiddenLine xmlns:a14="http://schemas.microsoft.com/office/drawing/2010/main" xmlns="" w="9525">
                   <a:solidFill>
                     <a:schemeClr val="tx1"/>
                   </a:solidFill>
@@ -8139,7 +8140,7 @@
                 </a14:hiddenLine>
               </a:ext>
               <a:ext uri="{AF507438-7753-43e0-B8FC-AC1667EBCBE1}">
-                <a14:hiddenEffects xmlns="" xmlns:a14="http://schemas.microsoft.com/office/drawing/2010/main">
+                <a14:hiddenEffects xmlns:a14="http://schemas.microsoft.com/office/drawing/2010/main" xmlns="">
                   <a:effectLst>
                     <a:outerShdw blurRad="63500" dist="38099" dir="2700000" algn="ctr" rotWithShape="0">
                       <a:schemeClr val="bg2">
@@ -8184,7 +8185,7 @@
             <a:effectLst/>
             <a:extLst>
               <a:ext uri="{91240B29-F687-4f45-9708-019B960494DF}">
-                <a14:hiddenLine xmlns="" xmlns:a14="http://schemas.microsoft.com/office/drawing/2010/main" w="9525">
+                <a14:hiddenLine xmlns:a14="http://schemas.microsoft.com/office/drawing/2010/main" xmlns="" w="9525">
                   <a:solidFill>
                     <a:schemeClr val="tx1"/>
                   </a:solidFill>
@@ -8194,7 +8195,7 @@
                 </a14:hiddenLine>
               </a:ext>
               <a:ext uri="{AF507438-7753-43e0-B8FC-AC1667EBCBE1}">
-                <a14:hiddenEffects xmlns="" xmlns:a14="http://schemas.microsoft.com/office/drawing/2010/main">
+                <a14:hiddenEffects xmlns:a14="http://schemas.microsoft.com/office/drawing/2010/main" xmlns="">
                   <a:effectLst>
                     <a:outerShdw blurRad="63500" dist="38099" dir="2700000" algn="ctr" rotWithShape="0">
                       <a:schemeClr val="bg2">
@@ -8239,7 +8240,7 @@
             <a:effectLst/>
             <a:extLst>
               <a:ext uri="{91240B29-F687-4f45-9708-019B960494DF}">
-                <a14:hiddenLine xmlns="" xmlns:a14="http://schemas.microsoft.com/office/drawing/2010/main" w="9525">
+                <a14:hiddenLine xmlns:a14="http://schemas.microsoft.com/office/drawing/2010/main" xmlns="" w="9525">
                   <a:solidFill>
                     <a:schemeClr val="tx1"/>
                   </a:solidFill>
@@ -8249,7 +8250,7 @@
                 </a14:hiddenLine>
               </a:ext>
               <a:ext uri="{AF507438-7753-43e0-B8FC-AC1667EBCBE1}">
-                <a14:hiddenEffects xmlns="" xmlns:a14="http://schemas.microsoft.com/office/drawing/2010/main">
+                <a14:hiddenEffects xmlns:a14="http://schemas.microsoft.com/office/drawing/2010/main" xmlns="">
                   <a:effectLst>
                     <a:outerShdw blurRad="63500" dist="38099" dir="2700000" algn="ctr" rotWithShape="0">
                       <a:schemeClr val="bg2">
@@ -8294,7 +8295,7 @@
             <a:effectLst/>
             <a:extLst>
               <a:ext uri="{91240B29-F687-4f45-9708-019B960494DF}">
-                <a14:hiddenLine xmlns="" xmlns:a14="http://schemas.microsoft.com/office/drawing/2010/main" w="9525">
+                <a14:hiddenLine xmlns:a14="http://schemas.microsoft.com/office/drawing/2010/main" xmlns="" w="9525">
                   <a:solidFill>
                     <a:schemeClr val="tx1"/>
                   </a:solidFill>
@@ -8304,7 +8305,7 @@
                 </a14:hiddenLine>
               </a:ext>
               <a:ext uri="{AF507438-7753-43e0-B8FC-AC1667EBCBE1}">
-                <a14:hiddenEffects xmlns="" xmlns:a14="http://schemas.microsoft.com/office/drawing/2010/main">
+                <a14:hiddenEffects xmlns:a14="http://schemas.microsoft.com/office/drawing/2010/main" xmlns="">
                   <a:effectLst>
                     <a:outerShdw blurRad="63500" dist="38099" dir="2700000" algn="ctr" rotWithShape="0">
                       <a:schemeClr val="bg2">
@@ -8349,7 +8350,7 @@
             <a:effectLst/>
             <a:extLst>
               <a:ext uri="{91240B29-F687-4f45-9708-019B960494DF}">
-                <a14:hiddenLine xmlns="" xmlns:a14="http://schemas.microsoft.com/office/drawing/2010/main" w="9525">
+                <a14:hiddenLine xmlns:a14="http://schemas.microsoft.com/office/drawing/2010/main" xmlns="" w="9525">
                   <a:solidFill>
                     <a:schemeClr val="tx1"/>
                   </a:solidFill>
@@ -8359,7 +8360,7 @@
                 </a14:hiddenLine>
               </a:ext>
               <a:ext uri="{AF507438-7753-43e0-B8FC-AC1667EBCBE1}">
-                <a14:hiddenEffects xmlns="" xmlns:a14="http://schemas.microsoft.com/office/drawing/2010/main">
+                <a14:hiddenEffects xmlns:a14="http://schemas.microsoft.com/office/drawing/2010/main" xmlns="">
                   <a:effectLst>
                     <a:outerShdw blurRad="63500" dist="38099" dir="2700000" algn="ctr" rotWithShape="0">
                       <a:schemeClr val="bg2">
@@ -8404,7 +8405,7 @@
             <a:effectLst/>
             <a:extLst>
               <a:ext uri="{91240B29-F687-4f45-9708-019B960494DF}">
-                <a14:hiddenLine xmlns="" xmlns:a14="http://schemas.microsoft.com/office/drawing/2010/main" w="9525">
+                <a14:hiddenLine xmlns:a14="http://schemas.microsoft.com/office/drawing/2010/main" xmlns="" w="9525">
                   <a:solidFill>
                     <a:schemeClr val="tx1"/>
                   </a:solidFill>
@@ -8414,7 +8415,7 @@
                 </a14:hiddenLine>
               </a:ext>
               <a:ext uri="{AF507438-7753-43e0-B8FC-AC1667EBCBE1}">
-                <a14:hiddenEffects xmlns="" xmlns:a14="http://schemas.microsoft.com/office/drawing/2010/main">
+                <a14:hiddenEffects xmlns:a14="http://schemas.microsoft.com/office/drawing/2010/main" xmlns="">
                   <a:effectLst>
                     <a:outerShdw blurRad="63500" dist="38099" dir="2700000" algn="ctr" rotWithShape="0">
                       <a:schemeClr val="bg2">
@@ -8459,7 +8460,7 @@
             <a:effectLst/>
             <a:extLst>
               <a:ext uri="{91240B29-F687-4f45-9708-019B960494DF}">
-                <a14:hiddenLine xmlns="" xmlns:a14="http://schemas.microsoft.com/office/drawing/2010/main" w="9525">
+                <a14:hiddenLine xmlns:a14="http://schemas.microsoft.com/office/drawing/2010/main" xmlns="" w="9525">
                   <a:solidFill>
                     <a:schemeClr val="tx1"/>
                   </a:solidFill>
@@ -8469,7 +8470,7 @@
                 </a14:hiddenLine>
               </a:ext>
               <a:ext uri="{AF507438-7753-43e0-B8FC-AC1667EBCBE1}">
-                <a14:hiddenEffects xmlns="" xmlns:a14="http://schemas.microsoft.com/office/drawing/2010/main">
+                <a14:hiddenEffects xmlns:a14="http://schemas.microsoft.com/office/drawing/2010/main" xmlns="">
                   <a:effectLst>
                     <a:outerShdw blurRad="63500" dist="38099" dir="2700000" algn="ctr" rotWithShape="0">
                       <a:schemeClr val="bg2">
@@ -8514,7 +8515,7 @@
             <a:effectLst/>
             <a:extLst>
               <a:ext uri="{91240B29-F687-4f45-9708-019B960494DF}">
-                <a14:hiddenLine xmlns="" xmlns:a14="http://schemas.microsoft.com/office/drawing/2010/main" w="9525">
+                <a14:hiddenLine xmlns:a14="http://schemas.microsoft.com/office/drawing/2010/main" xmlns="" w="9525">
                   <a:solidFill>
                     <a:schemeClr val="tx1"/>
                   </a:solidFill>
@@ -8524,7 +8525,7 @@
                 </a14:hiddenLine>
               </a:ext>
               <a:ext uri="{AF507438-7753-43e0-B8FC-AC1667EBCBE1}">
-                <a14:hiddenEffects xmlns="" xmlns:a14="http://schemas.microsoft.com/office/drawing/2010/main">
+                <a14:hiddenEffects xmlns:a14="http://schemas.microsoft.com/office/drawing/2010/main" xmlns="">
                   <a:effectLst>
                     <a:outerShdw blurRad="63500" dist="38099" dir="2700000" algn="ctr" rotWithShape="0">
                       <a:schemeClr val="bg2">
@@ -8569,7 +8570,7 @@
             <a:effectLst/>
             <a:extLst>
               <a:ext uri="{91240B29-F687-4f45-9708-019B960494DF}">
-                <a14:hiddenLine xmlns="" xmlns:a14="http://schemas.microsoft.com/office/drawing/2010/main" w="9525">
+                <a14:hiddenLine xmlns:a14="http://schemas.microsoft.com/office/drawing/2010/main" xmlns="" w="9525">
                   <a:solidFill>
                     <a:schemeClr val="tx1"/>
                   </a:solidFill>
@@ -8579,7 +8580,7 @@
                 </a14:hiddenLine>
               </a:ext>
               <a:ext uri="{AF507438-7753-43e0-B8FC-AC1667EBCBE1}">
-                <a14:hiddenEffects xmlns="" xmlns:a14="http://schemas.microsoft.com/office/drawing/2010/main">
+                <a14:hiddenEffects xmlns:a14="http://schemas.microsoft.com/office/drawing/2010/main" xmlns="">
                   <a:effectLst>
                     <a:outerShdw blurRad="63500" dist="38099" dir="2700000" algn="ctr" rotWithShape="0">
                       <a:schemeClr val="bg2">
@@ -8624,7 +8625,7 @@
             <a:effectLst/>
             <a:extLst>
               <a:ext uri="{91240B29-F687-4f45-9708-019B960494DF}">
-                <a14:hiddenLine xmlns="" xmlns:a14="http://schemas.microsoft.com/office/drawing/2010/main" w="9525">
+                <a14:hiddenLine xmlns:a14="http://schemas.microsoft.com/office/drawing/2010/main" xmlns="" w="9525">
                   <a:solidFill>
                     <a:schemeClr val="tx1"/>
                   </a:solidFill>
@@ -8634,7 +8635,7 @@
                 </a14:hiddenLine>
               </a:ext>
               <a:ext uri="{AF507438-7753-43e0-B8FC-AC1667EBCBE1}">
-                <a14:hiddenEffects xmlns="" xmlns:a14="http://schemas.microsoft.com/office/drawing/2010/main">
+                <a14:hiddenEffects xmlns:a14="http://schemas.microsoft.com/office/drawing/2010/main" xmlns="">
                   <a:effectLst>
                     <a:outerShdw blurRad="63500" dist="38099" dir="2700000" algn="ctr" rotWithShape="0">
                       <a:schemeClr val="bg2">
@@ -8679,7 +8680,7 @@
             <a:effectLst/>
             <a:extLst>
               <a:ext uri="{91240B29-F687-4f45-9708-019B960494DF}">
-                <a14:hiddenLine xmlns="" xmlns:a14="http://schemas.microsoft.com/office/drawing/2010/main" w="9525">
+                <a14:hiddenLine xmlns:a14="http://schemas.microsoft.com/office/drawing/2010/main" xmlns="" w="9525">
                   <a:solidFill>
                     <a:schemeClr val="tx1"/>
                   </a:solidFill>
@@ -8689,7 +8690,7 @@
                 </a14:hiddenLine>
               </a:ext>
               <a:ext uri="{AF507438-7753-43e0-B8FC-AC1667EBCBE1}">
-                <a14:hiddenEffects xmlns="" xmlns:a14="http://schemas.microsoft.com/office/drawing/2010/main">
+                <a14:hiddenEffects xmlns:a14="http://schemas.microsoft.com/office/drawing/2010/main" xmlns="">
                   <a:effectLst>
                     <a:outerShdw blurRad="63500" dist="38099" dir="2700000" algn="ctr" rotWithShape="0">
                       <a:schemeClr val="bg2">
@@ -9378,7 +9379,7 @@
           </a:ln>
           <a:extLst>
             <a:ext uri="{909E8E84-426E-40dd-AFC4-6F175D3DCCD1}">
-              <a14:hiddenFill xmlns="" xmlns:a14="http://schemas.microsoft.com/office/drawing/2010/main">
+              <a14:hiddenFill xmlns:a14="http://schemas.microsoft.com/office/drawing/2010/main" xmlns="">
                 <a:solidFill>
                   <a:schemeClr val="accent1"/>
                 </a:solidFill>
@@ -9443,7 +9444,7 @@
           </a:ln>
           <a:extLst>
             <a:ext uri="{909E8E84-426E-40dd-AFC4-6F175D3DCCD1}">
-              <a14:hiddenFill xmlns="" xmlns:a14="http://schemas.microsoft.com/office/drawing/2010/main">
+              <a14:hiddenFill xmlns:a14="http://schemas.microsoft.com/office/drawing/2010/main" xmlns="">
                 <a:solidFill>
                   <a:schemeClr val="accent1"/>
                 </a:solidFill>
@@ -9530,7 +9531,7 @@
           </a:ln>
           <a:extLst>
             <a:ext uri="{909E8E84-426E-40dd-AFC4-6F175D3DCCD1}">
-              <a14:hiddenFill xmlns="" xmlns:a14="http://schemas.microsoft.com/office/drawing/2010/main">
+              <a14:hiddenFill xmlns:a14="http://schemas.microsoft.com/office/drawing/2010/main" xmlns="">
                 <a:solidFill>
                   <a:schemeClr val="accent1"/>
                 </a:solidFill>
@@ -9573,7 +9574,7 @@
           </a:ln>
           <a:extLst>
             <a:ext uri="{909E8E84-426E-40dd-AFC4-6F175D3DCCD1}">
-              <a14:hiddenFill xmlns="" xmlns:a14="http://schemas.microsoft.com/office/drawing/2010/main">
+              <a14:hiddenFill xmlns:a14="http://schemas.microsoft.com/office/drawing/2010/main" xmlns="">
                 <a:solidFill>
                   <a:schemeClr val="accent1"/>
                 </a:solidFill>
@@ -9618,7 +9619,7 @@
           </a:ln>
           <a:extLst>
             <a:ext uri="{909E8E84-426E-40dd-AFC4-6F175D3DCCD1}">
-              <a14:hiddenFill xmlns="" xmlns:a14="http://schemas.microsoft.com/office/drawing/2010/main">
+              <a14:hiddenFill xmlns:a14="http://schemas.microsoft.com/office/drawing/2010/main" xmlns="">
                 <a:noFill/>
               </a14:hiddenFill>
             </a:ext>
@@ -9647,14 +9648,14 @@
           </a:ln>
           <a:extLst>
             <a:ext uri="{909E8E84-426E-40dd-AFC4-6F175D3DCCD1}">
-              <a14:hiddenFill xmlns="" xmlns:a14="http://schemas.microsoft.com/office/drawing/2010/main">
+              <a14:hiddenFill xmlns:a14="http://schemas.microsoft.com/office/drawing/2010/main" xmlns="">
                 <a:solidFill>
                   <a:schemeClr val="accent1"/>
                 </a:solidFill>
               </a14:hiddenFill>
             </a:ext>
             <a:ext uri="{91240B29-F687-4f45-9708-019B960494DF}">
-              <a14:hiddenLine xmlns="" xmlns:a14="http://schemas.microsoft.com/office/drawing/2010/main" w="9525">
+              <a14:hiddenLine xmlns:a14="http://schemas.microsoft.com/office/drawing/2010/main" xmlns="" w="9525">
                 <a:solidFill>
                   <a:schemeClr val="tx1"/>
                 </a:solidFill>
@@ -9700,14 +9701,14 @@
           </a:ln>
           <a:extLst>
             <a:ext uri="{909E8E84-426E-40dd-AFC4-6F175D3DCCD1}">
-              <a14:hiddenFill xmlns="" xmlns:a14="http://schemas.microsoft.com/office/drawing/2010/main">
+              <a14:hiddenFill xmlns:a14="http://schemas.microsoft.com/office/drawing/2010/main" xmlns="">
                 <a:solidFill>
                   <a:schemeClr val="accent1"/>
                 </a:solidFill>
               </a14:hiddenFill>
             </a:ext>
             <a:ext uri="{91240B29-F687-4f45-9708-019B960494DF}">
-              <a14:hiddenLine xmlns="" xmlns:a14="http://schemas.microsoft.com/office/drawing/2010/main" w="9525">
+              <a14:hiddenLine xmlns:a14="http://schemas.microsoft.com/office/drawing/2010/main" xmlns="" w="9525">
                 <a:solidFill>
                   <a:schemeClr val="tx1"/>
                 </a:solidFill>
@@ -9762,7 +9763,7 @@
           </a:ln>
           <a:extLst>
             <a:ext uri="{909E8E84-426E-40dd-AFC4-6F175D3DCCD1}">
-              <a14:hiddenFill xmlns="" xmlns:a14="http://schemas.microsoft.com/office/drawing/2010/main">
+              <a14:hiddenFill xmlns:a14="http://schemas.microsoft.com/office/drawing/2010/main" xmlns="">
                 <a:solidFill>
                   <a:schemeClr val="accent1"/>
                 </a:solidFill>
@@ -9805,14 +9806,14 @@
           </a:ln>
           <a:extLst>
             <a:ext uri="{909E8E84-426E-40dd-AFC4-6F175D3DCCD1}">
-              <a14:hiddenFill xmlns="" xmlns:a14="http://schemas.microsoft.com/office/drawing/2010/main">
+              <a14:hiddenFill xmlns:a14="http://schemas.microsoft.com/office/drawing/2010/main" xmlns="">
                 <a:solidFill>
                   <a:schemeClr val="accent1"/>
                 </a:solidFill>
               </a14:hiddenFill>
             </a:ext>
             <a:ext uri="{91240B29-F687-4f45-9708-019B960494DF}">
-              <a14:hiddenLine xmlns="" xmlns:a14="http://schemas.microsoft.com/office/drawing/2010/main" w="9525">
+              <a14:hiddenLine xmlns:a14="http://schemas.microsoft.com/office/drawing/2010/main" xmlns="" w="9525">
                 <a:solidFill>
                   <a:schemeClr val="tx1"/>
                 </a:solidFill>
@@ -9867,7 +9868,7 @@
           </a:ln>
           <a:extLst>
             <a:ext uri="{909E8E84-426E-40dd-AFC4-6F175D3DCCD1}">
-              <a14:hiddenFill xmlns="" xmlns:a14="http://schemas.microsoft.com/office/drawing/2010/main">
+              <a14:hiddenFill xmlns:a14="http://schemas.microsoft.com/office/drawing/2010/main" xmlns="">
                 <a:noFill/>
               </a14:hiddenFill>
             </a:ext>
@@ -9896,14 +9897,14 @@
           </a:ln>
           <a:extLst>
             <a:ext uri="{909E8E84-426E-40dd-AFC4-6F175D3DCCD1}">
-              <a14:hiddenFill xmlns="" xmlns:a14="http://schemas.microsoft.com/office/drawing/2010/main">
+              <a14:hiddenFill xmlns:a14="http://schemas.microsoft.com/office/drawing/2010/main" xmlns="">
                 <a:solidFill>
                   <a:schemeClr val="accent1"/>
                 </a:solidFill>
               </a14:hiddenFill>
             </a:ext>
             <a:ext uri="{91240B29-F687-4f45-9708-019B960494DF}">
-              <a14:hiddenLine xmlns="" xmlns:a14="http://schemas.microsoft.com/office/drawing/2010/main" w="9525">
+              <a14:hiddenLine xmlns:a14="http://schemas.microsoft.com/office/drawing/2010/main" xmlns="" w="9525">
                 <a:solidFill>
                   <a:schemeClr val="tx1"/>
                 </a:solidFill>
@@ -9972,14 +9973,14 @@
           </a:ln>
           <a:extLst>
             <a:ext uri="{909E8E84-426E-40dd-AFC4-6F175D3DCCD1}">
-              <a14:hiddenFill xmlns="" xmlns:a14="http://schemas.microsoft.com/office/drawing/2010/main">
+              <a14:hiddenFill xmlns:a14="http://schemas.microsoft.com/office/drawing/2010/main" xmlns="">
                 <a:solidFill>
                   <a:schemeClr val="accent1"/>
                 </a:solidFill>
               </a14:hiddenFill>
             </a:ext>
             <a:ext uri="{91240B29-F687-4f45-9708-019B960494DF}">
-              <a14:hiddenLine xmlns="" xmlns:a14="http://schemas.microsoft.com/office/drawing/2010/main" w="9525">
+              <a14:hiddenLine xmlns:a14="http://schemas.microsoft.com/office/drawing/2010/main" xmlns="" w="9525">
                 <a:solidFill>
                   <a:schemeClr val="tx1"/>
                 </a:solidFill>
@@ -10032,14 +10033,14 @@
           </a:ln>
           <a:extLst>
             <a:ext uri="{909E8E84-426E-40dd-AFC4-6F175D3DCCD1}">
-              <a14:hiddenFill xmlns="" xmlns:a14="http://schemas.microsoft.com/office/drawing/2010/main">
+              <a14:hiddenFill xmlns:a14="http://schemas.microsoft.com/office/drawing/2010/main" xmlns="">
                 <a:solidFill>
                   <a:schemeClr val="accent1"/>
                 </a:solidFill>
               </a14:hiddenFill>
             </a:ext>
             <a:ext uri="{91240B29-F687-4f45-9708-019B960494DF}">
-              <a14:hiddenLine xmlns="" xmlns:a14="http://schemas.microsoft.com/office/drawing/2010/main" w="9525">
+              <a14:hiddenLine xmlns:a14="http://schemas.microsoft.com/office/drawing/2010/main" xmlns="" w="9525">
                 <a:solidFill>
                   <a:schemeClr val="tx1"/>
                 </a:solidFill>
@@ -10101,14 +10102,14 @@
           </a:ln>
           <a:extLst>
             <a:ext uri="{909E8E84-426E-40dd-AFC4-6F175D3DCCD1}">
-              <a14:hiddenFill xmlns="" xmlns:a14="http://schemas.microsoft.com/office/drawing/2010/main">
+              <a14:hiddenFill xmlns:a14="http://schemas.microsoft.com/office/drawing/2010/main" xmlns="">
                 <a:solidFill>
                   <a:schemeClr val="accent1"/>
                 </a:solidFill>
               </a14:hiddenFill>
             </a:ext>
             <a:ext uri="{91240B29-F687-4f45-9708-019B960494DF}">
-              <a14:hiddenLine xmlns="" xmlns:a14="http://schemas.microsoft.com/office/drawing/2010/main" w="9525">
+              <a14:hiddenLine xmlns:a14="http://schemas.microsoft.com/office/drawing/2010/main" xmlns="" w="9525">
                 <a:solidFill>
                   <a:schemeClr val="tx1"/>
                 </a:solidFill>
@@ -10407,6 +10408,13 @@
   <p:clrMapOvr>
     <a:masterClrMapping/>
   </p:clrMapOvr>
+  <p:timing>
+    <p:tnLst>
+      <p:par>
+        <p:cTn id="1" dur="indefinite" restart="never" nodeType="tmRoot"/>
+      </p:par>
+    </p:tnLst>
+  </p:timing>
 </p:sld>
 </file>
 
@@ -12406,7 +12414,7 @@
           <a:effectLst/>
           <a:extLst>
             <a:ext uri="{AF507438-7753-43e0-B8FC-AC1667EBCBE1}">
-              <a14:hiddenEffects xmlns="" xmlns:a14="http://schemas.microsoft.com/office/drawing/2010/main">
+              <a14:hiddenEffects xmlns:a14="http://schemas.microsoft.com/office/drawing/2010/main" xmlns="">
                 <a:effectLst>
                   <a:outerShdw blurRad="63500" dist="38099" dir="2700000" algn="ctr" rotWithShape="0">
                     <a:schemeClr val="bg2">
@@ -12486,7 +12494,7 @@
           <a:effectLst/>
           <a:extLst>
             <a:ext uri="{AF507438-7753-43e0-B8FC-AC1667EBCBE1}">
-              <a14:hiddenEffects xmlns="" xmlns:a14="http://schemas.microsoft.com/office/drawing/2010/main">
+              <a14:hiddenEffects xmlns:a14="http://schemas.microsoft.com/office/drawing/2010/main" xmlns="">
                 <a:effectLst>
                   <a:outerShdw blurRad="63500" dist="38099" dir="2700000" algn="ctr" rotWithShape="0">
                     <a:schemeClr val="bg2">
@@ -12596,7 +12604,7 @@
           <a:effectLst/>
           <a:extLst>
             <a:ext uri="{AF507438-7753-43e0-B8FC-AC1667EBCBE1}">
-              <a14:hiddenEffects xmlns="" xmlns:a14="http://schemas.microsoft.com/office/drawing/2010/main">
+              <a14:hiddenEffects xmlns:a14="http://schemas.microsoft.com/office/drawing/2010/main" xmlns="">
                 <a:effectLst>
                   <a:outerShdw blurRad="63500" dist="38099" dir="2700000" algn="ctr" rotWithShape="0">
                     <a:schemeClr val="bg2">
@@ -12776,7 +12784,7 @@
           <a:effectLst/>
           <a:extLst>
             <a:ext uri="{AF507438-7753-43e0-B8FC-AC1667EBCBE1}">
-              <a14:hiddenEffects xmlns="" xmlns:a14="http://schemas.microsoft.com/office/drawing/2010/main">
+              <a14:hiddenEffects xmlns:a14="http://schemas.microsoft.com/office/drawing/2010/main" xmlns="">
                 <a:effectLst>
                   <a:outerShdw blurRad="63500" dist="38099" dir="2700000" algn="ctr" rotWithShape="0">
                     <a:schemeClr val="bg2">
@@ -12856,7 +12864,7 @@
           <a:effectLst/>
           <a:extLst>
             <a:ext uri="{AF507438-7753-43e0-B8FC-AC1667EBCBE1}">
-              <a14:hiddenEffects xmlns="" xmlns:a14="http://schemas.microsoft.com/office/drawing/2010/main">
+              <a14:hiddenEffects xmlns:a14="http://schemas.microsoft.com/office/drawing/2010/main" xmlns="">
                 <a:effectLst>
                   <a:outerShdw blurRad="63500" dist="38099" dir="2700000" algn="ctr" rotWithShape="0">
                     <a:schemeClr val="bg2">
@@ -12936,7 +12944,7 @@
           <a:effectLst/>
           <a:extLst>
             <a:ext uri="{AF507438-7753-43e0-B8FC-AC1667EBCBE1}">
-              <a14:hiddenEffects xmlns="" xmlns:a14="http://schemas.microsoft.com/office/drawing/2010/main">
+              <a14:hiddenEffects xmlns:a14="http://schemas.microsoft.com/office/drawing/2010/main" xmlns="">
                 <a:effectLst>
                   <a:outerShdw blurRad="63500" dist="38099" dir="2700000" algn="ctr" rotWithShape="0">
                     <a:schemeClr val="bg2">
@@ -13016,7 +13024,7 @@
           <a:effectLst/>
           <a:extLst>
             <a:ext uri="{AF507438-7753-43e0-B8FC-AC1667EBCBE1}">
-              <a14:hiddenEffects xmlns="" xmlns:a14="http://schemas.microsoft.com/office/drawing/2010/main">
+              <a14:hiddenEffects xmlns:a14="http://schemas.microsoft.com/office/drawing/2010/main" xmlns="">
                 <a:effectLst>
                   <a:outerShdw blurRad="63500" dist="38099" dir="2700000" algn="ctr" rotWithShape="0">
                     <a:schemeClr val="bg2">
@@ -13158,6 +13166,13 @@
   <p:clrMapOvr>
     <a:masterClrMapping/>
   </p:clrMapOvr>
+  <p:timing>
+    <p:tnLst>
+      <p:par>
+        <p:cTn id="1" dur="indefinite" restart="never" nodeType="tmRoot"/>
+      </p:par>
+    </p:tnLst>
+  </p:timing>
 </p:sld>
 </file>
 
@@ -13292,7 +13307,7 @@
           </a:ln>
           <a:extLst>
             <a:ext uri="{909E8E84-426E-40dd-AFC4-6F175D3DCCD1}">
-              <a14:hiddenFill xmlns="" xmlns:a14="http://schemas.microsoft.com/office/drawing/2010/main">
+              <a14:hiddenFill xmlns:a14="http://schemas.microsoft.com/office/drawing/2010/main" xmlns="">
                 <a:solidFill>
                   <a:schemeClr val="accent1"/>
                 </a:solidFill>
@@ -13395,7 +13410,7 @@
           </a:ln>
           <a:extLst>
             <a:ext uri="{909E8E84-426E-40dd-AFC4-6F175D3DCCD1}">
-              <a14:hiddenFill xmlns="" xmlns:a14="http://schemas.microsoft.com/office/drawing/2010/main">
+              <a14:hiddenFill xmlns:a14="http://schemas.microsoft.com/office/drawing/2010/main" xmlns="">
                 <a:solidFill>
                   <a:schemeClr val="accent1"/>
                 </a:solidFill>
@@ -13513,6 +13528,13 @@
   <p:clrMapOvr>
     <a:masterClrMapping/>
   </p:clrMapOvr>
+  <p:timing>
+    <p:tnLst>
+      <p:par>
+        <p:cTn id="1" dur="indefinite" restart="never" nodeType="tmRoot"/>
+      </p:par>
+    </p:tnLst>
+  </p:timing>
 </p:sld>
 </file>
 
@@ -13733,7 +13755,7 @@
           <a:effectLst/>
           <a:extLst>
             <a:ext uri="{AF507438-7753-43e0-B8FC-AC1667EBCBE1}">
-              <a14:hiddenEffects xmlns="" xmlns:a14="http://schemas.microsoft.com/office/drawing/2010/main">
+              <a14:hiddenEffects xmlns:a14="http://schemas.microsoft.com/office/drawing/2010/main" xmlns="">
                 <a:effectLst>
                   <a:outerShdw blurRad="63500" dist="38099" dir="2700000" algn="ctr" rotWithShape="0">
                     <a:schemeClr val="bg2">
@@ -13813,7 +13835,7 @@
           <a:effectLst/>
           <a:extLst>
             <a:ext uri="{AF507438-7753-43e0-B8FC-AC1667EBCBE1}">
-              <a14:hiddenEffects xmlns="" xmlns:a14="http://schemas.microsoft.com/office/drawing/2010/main">
+              <a14:hiddenEffects xmlns:a14="http://schemas.microsoft.com/office/drawing/2010/main" xmlns="">
                 <a:effectLst>
                   <a:outerShdw blurRad="63500" dist="38099" dir="2700000" algn="ctr" rotWithShape="0">
                     <a:schemeClr val="bg2">
@@ -13897,7 +13919,7 @@
           <a:effectLst/>
           <a:extLst>
             <a:ext uri="{AF507438-7753-43e0-B8FC-AC1667EBCBE1}">
-              <a14:hiddenEffects xmlns="" xmlns:a14="http://schemas.microsoft.com/office/drawing/2010/main">
+              <a14:hiddenEffects xmlns:a14="http://schemas.microsoft.com/office/drawing/2010/main" xmlns="">
                 <a:effectLst>
                   <a:outerShdw blurRad="63500" dist="38099" dir="2700000" algn="ctr" rotWithShape="0">
                     <a:schemeClr val="bg2">
@@ -13920,6 +13942,13 @@
   <p:clrMapOvr>
     <a:masterClrMapping/>
   </p:clrMapOvr>
+  <p:timing>
+    <p:tnLst>
+      <p:par>
+        <p:cTn id="1" dur="indefinite" restart="never" nodeType="tmRoot"/>
+      </p:par>
+    </p:tnLst>
+  </p:timing>
 </p:sld>
 </file>
 
@@ -14084,7 +14113,7 @@
           <a:effectLst/>
           <a:extLst>
             <a:ext uri="{AF507438-7753-43e0-B8FC-AC1667EBCBE1}">
-              <a14:hiddenEffects xmlns="" xmlns:a14="http://schemas.microsoft.com/office/drawing/2010/main">
+              <a14:hiddenEffects xmlns:a14="http://schemas.microsoft.com/office/drawing/2010/main" xmlns="">
                 <a:effectLst>
                   <a:outerShdw blurRad="63500" dist="38099" dir="2700000" algn="ctr" rotWithShape="0">
                     <a:schemeClr val="bg2">
@@ -14164,7 +14193,7 @@
           <a:effectLst/>
           <a:extLst>
             <a:ext uri="{AF507438-7753-43e0-B8FC-AC1667EBCBE1}">
-              <a14:hiddenEffects xmlns="" xmlns:a14="http://schemas.microsoft.com/office/drawing/2010/main">
+              <a14:hiddenEffects xmlns:a14="http://schemas.microsoft.com/office/drawing/2010/main" xmlns="">
                 <a:effectLst>
                   <a:outerShdw blurRad="63500" dist="38099" dir="2700000" algn="ctr" rotWithShape="0">
                     <a:schemeClr val="bg2">
@@ -14225,6 +14254,13 @@
   <p:clrMapOvr>
     <a:masterClrMapping/>
   </p:clrMapOvr>
+  <p:timing>
+    <p:tnLst>
+      <p:par>
+        <p:cTn id="1" dur="indefinite" restart="never" nodeType="tmRoot"/>
+      </p:par>
+    </p:tnLst>
+  </p:timing>
 </p:sld>
 </file>
 
@@ -14420,7 +14456,7 @@
           <a:effectLst/>
           <a:extLst>
             <a:ext uri="{AF507438-7753-43e0-B8FC-AC1667EBCBE1}">
-              <a14:hiddenEffects xmlns="" xmlns:a14="http://schemas.microsoft.com/office/drawing/2010/main">
+              <a14:hiddenEffects xmlns:a14="http://schemas.microsoft.com/office/drawing/2010/main" xmlns="">
                 <a:effectLst>
                   <a:outerShdw blurRad="63500" dist="38099" dir="2700000" algn="ctr" rotWithShape="0">
                     <a:schemeClr val="bg2">
@@ -14500,7 +14536,7 @@
           <a:effectLst/>
           <a:extLst>
             <a:ext uri="{AF507438-7753-43e0-B8FC-AC1667EBCBE1}">
-              <a14:hiddenEffects xmlns="" xmlns:a14="http://schemas.microsoft.com/office/drawing/2010/main">
+              <a14:hiddenEffects xmlns:a14="http://schemas.microsoft.com/office/drawing/2010/main" xmlns="">
                 <a:effectLst>
                   <a:outerShdw blurRad="63500" dist="38099" dir="2700000" algn="ctr" rotWithShape="0">
                     <a:schemeClr val="bg2">
@@ -14561,6 +14597,13 @@
   <p:clrMapOvr>
     <a:masterClrMapping/>
   </p:clrMapOvr>
+  <p:timing>
+    <p:tnLst>
+      <p:par>
+        <p:cTn id="1" dur="indefinite" restart="never" nodeType="tmRoot"/>
+      </p:par>
+    </p:tnLst>
+  </p:timing>
 </p:sld>
 </file>
 
@@ -14608,7 +14651,7 @@
           </a:ln>
           <a:extLst>
             <a:ext uri="{909E8E84-426E-40dd-AFC4-6F175D3DCCD1}">
-              <a14:hiddenFill xmlns="" xmlns:a14="http://schemas.microsoft.com/office/drawing/2010/main">
+              <a14:hiddenFill xmlns:a14="http://schemas.microsoft.com/office/drawing/2010/main" xmlns="">
                 <a:solidFill>
                   <a:schemeClr val="accent1"/>
                 </a:solidFill>
@@ -14673,7 +14716,7 @@
           </a:ln>
           <a:extLst>
             <a:ext uri="{909E8E84-426E-40dd-AFC4-6F175D3DCCD1}">
-              <a14:hiddenFill xmlns="" xmlns:a14="http://schemas.microsoft.com/office/drawing/2010/main">
+              <a14:hiddenFill xmlns:a14="http://schemas.microsoft.com/office/drawing/2010/main" xmlns="">
                 <a:solidFill>
                   <a:schemeClr val="accent1"/>
                 </a:solidFill>
@@ -14760,7 +14803,7 @@
           </a:ln>
           <a:extLst>
             <a:ext uri="{909E8E84-426E-40dd-AFC4-6F175D3DCCD1}">
-              <a14:hiddenFill xmlns="" xmlns:a14="http://schemas.microsoft.com/office/drawing/2010/main">
+              <a14:hiddenFill xmlns:a14="http://schemas.microsoft.com/office/drawing/2010/main" xmlns="">
                 <a:solidFill>
                   <a:schemeClr val="accent1"/>
                 </a:solidFill>
@@ -14803,7 +14846,7 @@
           </a:ln>
           <a:extLst>
             <a:ext uri="{909E8E84-426E-40dd-AFC4-6F175D3DCCD1}">
-              <a14:hiddenFill xmlns="" xmlns:a14="http://schemas.microsoft.com/office/drawing/2010/main">
+              <a14:hiddenFill xmlns:a14="http://schemas.microsoft.com/office/drawing/2010/main" xmlns="">
                 <a:solidFill>
                   <a:schemeClr val="accent1"/>
                 </a:solidFill>
@@ -14848,7 +14891,7 @@
           </a:ln>
           <a:extLst>
             <a:ext uri="{909E8E84-426E-40dd-AFC4-6F175D3DCCD1}">
-              <a14:hiddenFill xmlns="" xmlns:a14="http://schemas.microsoft.com/office/drawing/2010/main">
+              <a14:hiddenFill xmlns:a14="http://schemas.microsoft.com/office/drawing/2010/main" xmlns="">
                 <a:noFill/>
               </a14:hiddenFill>
             </a:ext>
@@ -14877,14 +14920,14 @@
           </a:ln>
           <a:extLst>
             <a:ext uri="{909E8E84-426E-40dd-AFC4-6F175D3DCCD1}">
-              <a14:hiddenFill xmlns="" xmlns:a14="http://schemas.microsoft.com/office/drawing/2010/main">
+              <a14:hiddenFill xmlns:a14="http://schemas.microsoft.com/office/drawing/2010/main" xmlns="">
                 <a:solidFill>
                   <a:schemeClr val="accent1"/>
                 </a:solidFill>
               </a14:hiddenFill>
             </a:ext>
             <a:ext uri="{91240B29-F687-4f45-9708-019B960494DF}">
-              <a14:hiddenLine xmlns="" xmlns:a14="http://schemas.microsoft.com/office/drawing/2010/main" w="9525">
+              <a14:hiddenLine xmlns:a14="http://schemas.microsoft.com/office/drawing/2010/main" xmlns="" w="9525">
                 <a:solidFill>
                   <a:schemeClr val="tx1"/>
                 </a:solidFill>
@@ -14930,14 +14973,14 @@
           </a:ln>
           <a:extLst>
             <a:ext uri="{909E8E84-426E-40dd-AFC4-6F175D3DCCD1}">
-              <a14:hiddenFill xmlns="" xmlns:a14="http://schemas.microsoft.com/office/drawing/2010/main">
+              <a14:hiddenFill xmlns:a14="http://schemas.microsoft.com/office/drawing/2010/main" xmlns="">
                 <a:solidFill>
                   <a:schemeClr val="accent1"/>
                 </a:solidFill>
               </a14:hiddenFill>
             </a:ext>
             <a:ext uri="{91240B29-F687-4f45-9708-019B960494DF}">
-              <a14:hiddenLine xmlns="" xmlns:a14="http://schemas.microsoft.com/office/drawing/2010/main" w="9525">
+              <a14:hiddenLine xmlns:a14="http://schemas.microsoft.com/office/drawing/2010/main" xmlns="" w="9525">
                 <a:solidFill>
                   <a:schemeClr val="tx1"/>
                 </a:solidFill>
@@ -14992,7 +15035,7 @@
           </a:ln>
           <a:extLst>
             <a:ext uri="{909E8E84-426E-40dd-AFC4-6F175D3DCCD1}">
-              <a14:hiddenFill xmlns="" xmlns:a14="http://schemas.microsoft.com/office/drawing/2010/main">
+              <a14:hiddenFill xmlns:a14="http://schemas.microsoft.com/office/drawing/2010/main" xmlns="">
                 <a:solidFill>
                   <a:schemeClr val="accent1"/>
                 </a:solidFill>
@@ -15035,14 +15078,14 @@
           </a:ln>
           <a:extLst>
             <a:ext uri="{909E8E84-426E-40dd-AFC4-6F175D3DCCD1}">
-              <a14:hiddenFill xmlns="" xmlns:a14="http://schemas.microsoft.com/office/drawing/2010/main">
+              <a14:hiddenFill xmlns:a14="http://schemas.microsoft.com/office/drawing/2010/main" xmlns="">
                 <a:solidFill>
                   <a:schemeClr val="accent1"/>
                 </a:solidFill>
               </a14:hiddenFill>
             </a:ext>
             <a:ext uri="{91240B29-F687-4f45-9708-019B960494DF}">
-              <a14:hiddenLine xmlns="" xmlns:a14="http://schemas.microsoft.com/office/drawing/2010/main" w="9525">
+              <a14:hiddenLine xmlns:a14="http://schemas.microsoft.com/office/drawing/2010/main" xmlns="" w="9525">
                 <a:solidFill>
                   <a:schemeClr val="tx1"/>
                 </a:solidFill>
@@ -15097,7 +15140,7 @@
           </a:ln>
           <a:extLst>
             <a:ext uri="{909E8E84-426E-40dd-AFC4-6F175D3DCCD1}">
-              <a14:hiddenFill xmlns="" xmlns:a14="http://schemas.microsoft.com/office/drawing/2010/main">
+              <a14:hiddenFill xmlns:a14="http://schemas.microsoft.com/office/drawing/2010/main" xmlns="">
                 <a:noFill/>
               </a14:hiddenFill>
             </a:ext>
@@ -15231,6 +15274,13 @@
   <p:clrMapOvr>
     <a:masterClrMapping/>
   </p:clrMapOvr>
+  <p:timing>
+    <p:tnLst>
+      <p:par>
+        <p:cTn id="1" dur="indefinite" restart="never" nodeType="tmRoot"/>
+      </p:par>
+    </p:tnLst>
+  </p:timing>
 </p:sld>
 </file>
 
@@ -15371,7 +15421,7 @@
           <a:effectLst/>
           <a:extLst>
             <a:ext uri="{AF507438-7753-43e0-B8FC-AC1667EBCBE1}">
-              <a14:hiddenEffects xmlns="" xmlns:a14="http://schemas.microsoft.com/office/drawing/2010/main">
+              <a14:hiddenEffects xmlns:a14="http://schemas.microsoft.com/office/drawing/2010/main" xmlns="">
                 <a:effectLst>
                   <a:outerShdw blurRad="63500" dist="38099" dir="2700000" algn="ctr" rotWithShape="0">
                     <a:schemeClr val="bg2">
@@ -15451,7 +15501,7 @@
           <a:effectLst/>
           <a:extLst>
             <a:ext uri="{AF507438-7753-43e0-B8FC-AC1667EBCBE1}">
-              <a14:hiddenEffects xmlns="" xmlns:a14="http://schemas.microsoft.com/office/drawing/2010/main">
+              <a14:hiddenEffects xmlns:a14="http://schemas.microsoft.com/office/drawing/2010/main" xmlns="">
                 <a:effectLst>
                   <a:outerShdw blurRad="63500" dist="38099" dir="2700000" algn="ctr" rotWithShape="0">
                     <a:schemeClr val="bg2">
@@ -15821,13 +15871,14 @@
           <a:lstStyle/>
           <a:p>
             <a:r>
+              <a:rPr lang="en-US" dirty="0" smtClean="0"/>
+              <a:t>Final </a:t>
+            </a:r>
+            <a:r>
               <a:rPr lang="en-US" smtClean="0"/>
-              <a:t>Assignment </a:t>
-            </a:r>
-            <a:r>
-              <a:rPr lang="en-US" dirty="0"/>
-              <a:t>#7 – see website</a:t>
-            </a:r>
+              <a:t>project proposal</a:t>
+            </a:r>
+            <a:endParaRPr lang="en-US" dirty="0"/>
           </a:p>
         </p:txBody>
       </p:sp>
@@ -15835,6 +15886,89 @@
     <p:extLst>
       <p:ext uri="{BB962C8B-B14F-4D97-AF65-F5344CB8AC3E}">
         <p14:creationId xmlns:p14="http://schemas.microsoft.com/office/powerpoint/2010/main" val="3806997222"/>
+      </p:ext>
+    </p:extLst>
+  </p:cSld>
+  <p:clrMapOvr>
+    <a:masterClrMapping/>
+  </p:clrMapOvr>
+</p:sld>
+</file>
+
+<file path=ppt/slides/slide25.xml><?xml version="1.0" encoding="utf-8"?>
+<p:sld xmlns:a="http://schemas.openxmlformats.org/drawingml/2006/main" xmlns:r="http://schemas.openxmlformats.org/officeDocument/2006/relationships" xmlns:p="http://schemas.openxmlformats.org/presentationml/2006/main">
+  <p:cSld>
+    <p:spTree>
+      <p:nvGrpSpPr>
+        <p:cNvPr id="1" name=""/>
+        <p:cNvGrpSpPr/>
+        <p:nvPr/>
+      </p:nvGrpSpPr>
+      <p:grpSpPr>
+        <a:xfrm>
+          <a:off x="0" y="0"/>
+          <a:ext cx="0" cy="0"/>
+          <a:chOff x="0" y="0"/>
+          <a:chExt cx="0" cy="0"/>
+        </a:xfrm>
+      </p:grpSpPr>
+      <p:sp>
+        <p:nvSpPr>
+          <p:cNvPr id="2" name="Title 1"/>
+          <p:cNvSpPr>
+            <a:spLocks noGrp="1"/>
+          </p:cNvSpPr>
+          <p:nvPr>
+            <p:ph type="title"/>
+          </p:nvPr>
+        </p:nvSpPr>
+        <p:spPr/>
+        <p:txBody>
+          <a:bodyPr/>
+          <a:lstStyle/>
+          <a:p>
+            <a:r>
+              <a:rPr lang="en-US"/>
+              <a:t>Assignment</a:t>
+            </a:r>
+          </a:p>
+        </p:txBody>
+      </p:sp>
+      <p:sp>
+        <p:nvSpPr>
+          <p:cNvPr id="3" name="Content Placeholder 2"/>
+          <p:cNvSpPr>
+            <a:spLocks noGrp="1"/>
+          </p:cNvSpPr>
+          <p:nvPr>
+            <p:ph idx="1"/>
+          </p:nvPr>
+        </p:nvSpPr>
+        <p:spPr/>
+        <p:txBody>
+          <a:bodyPr/>
+          <a:lstStyle/>
+          <a:p>
+            <a:r>
+              <a:rPr lang="en-US" dirty="0" smtClean="0"/>
+              <a:t>Assignment </a:t>
+            </a:r>
+            <a:r>
+              <a:rPr lang="en-US" dirty="0"/>
+              <a:t>#</a:t>
+            </a:r>
+            <a:r>
+              <a:rPr lang="en-US" dirty="0" smtClean="0"/>
+              <a:t>7</a:t>
+            </a:r>
+            <a:endParaRPr lang="en-US" dirty="0"/>
+          </a:p>
+        </p:txBody>
+      </p:sp>
+    </p:spTree>
+    <p:extLst>
+      <p:ext uri="{BB962C8B-B14F-4D97-AF65-F5344CB8AC3E}">
+        <p14:creationId xmlns:p14="http://schemas.microsoft.com/office/powerpoint/2010/main" val="1663396078"/>
       </p:ext>
     </p:extLst>
   </p:cSld>
@@ -15888,7 +16022,7 @@
           </a:ln>
           <a:extLst>
             <a:ext uri="{909E8E84-426E-40dd-AFC4-6F175D3DCCD1}">
-              <a14:hiddenFill xmlns="" xmlns:a14="http://schemas.microsoft.com/office/drawing/2010/main">
+              <a14:hiddenFill xmlns:a14="http://schemas.microsoft.com/office/drawing/2010/main" xmlns="">
                 <a:solidFill>
                   <a:schemeClr val="accent1"/>
                 </a:solidFill>
@@ -15953,7 +16087,7 @@
           </a:ln>
           <a:extLst>
             <a:ext uri="{909E8E84-426E-40dd-AFC4-6F175D3DCCD1}">
-              <a14:hiddenFill xmlns="" xmlns:a14="http://schemas.microsoft.com/office/drawing/2010/main">
+              <a14:hiddenFill xmlns:a14="http://schemas.microsoft.com/office/drawing/2010/main" xmlns="">
                 <a:solidFill>
                   <a:schemeClr val="accent1"/>
                 </a:solidFill>
@@ -16040,7 +16174,7 @@
           </a:ln>
           <a:extLst>
             <a:ext uri="{909E8E84-426E-40dd-AFC4-6F175D3DCCD1}">
-              <a14:hiddenFill xmlns="" xmlns:a14="http://schemas.microsoft.com/office/drawing/2010/main">
+              <a14:hiddenFill xmlns:a14="http://schemas.microsoft.com/office/drawing/2010/main" xmlns="">
                 <a:solidFill>
                   <a:schemeClr val="accent1"/>
                 </a:solidFill>
@@ -16083,7 +16217,7 @@
           </a:ln>
           <a:extLst>
             <a:ext uri="{909E8E84-426E-40dd-AFC4-6F175D3DCCD1}">
-              <a14:hiddenFill xmlns="" xmlns:a14="http://schemas.microsoft.com/office/drawing/2010/main">
+              <a14:hiddenFill xmlns:a14="http://schemas.microsoft.com/office/drawing/2010/main" xmlns="">
                 <a:solidFill>
                   <a:schemeClr val="accent1"/>
                 </a:solidFill>
@@ -16128,7 +16262,7 @@
           </a:ln>
           <a:extLst>
             <a:ext uri="{909E8E84-426E-40dd-AFC4-6F175D3DCCD1}">
-              <a14:hiddenFill xmlns="" xmlns:a14="http://schemas.microsoft.com/office/drawing/2010/main">
+              <a14:hiddenFill xmlns:a14="http://schemas.microsoft.com/office/drawing/2010/main" xmlns="">
                 <a:noFill/>
               </a14:hiddenFill>
             </a:ext>
@@ -16157,14 +16291,14 @@
           </a:ln>
           <a:extLst>
             <a:ext uri="{909E8E84-426E-40dd-AFC4-6F175D3DCCD1}">
-              <a14:hiddenFill xmlns="" xmlns:a14="http://schemas.microsoft.com/office/drawing/2010/main">
+              <a14:hiddenFill xmlns:a14="http://schemas.microsoft.com/office/drawing/2010/main" xmlns="">
                 <a:solidFill>
                   <a:schemeClr val="accent1"/>
                 </a:solidFill>
               </a14:hiddenFill>
             </a:ext>
             <a:ext uri="{91240B29-F687-4f45-9708-019B960494DF}">
-              <a14:hiddenLine xmlns="" xmlns:a14="http://schemas.microsoft.com/office/drawing/2010/main" w="9525">
+              <a14:hiddenLine xmlns:a14="http://schemas.microsoft.com/office/drawing/2010/main" xmlns="" w="9525">
                 <a:solidFill>
                   <a:schemeClr val="tx1"/>
                 </a:solidFill>
@@ -16210,14 +16344,14 @@
           </a:ln>
           <a:extLst>
             <a:ext uri="{909E8E84-426E-40dd-AFC4-6F175D3DCCD1}">
-              <a14:hiddenFill xmlns="" xmlns:a14="http://schemas.microsoft.com/office/drawing/2010/main">
+              <a14:hiddenFill xmlns:a14="http://schemas.microsoft.com/office/drawing/2010/main" xmlns="">
                 <a:solidFill>
                   <a:schemeClr val="accent1"/>
                 </a:solidFill>
               </a14:hiddenFill>
             </a:ext>
             <a:ext uri="{91240B29-F687-4f45-9708-019B960494DF}">
-              <a14:hiddenLine xmlns="" xmlns:a14="http://schemas.microsoft.com/office/drawing/2010/main" w="9525">
+              <a14:hiddenLine xmlns:a14="http://schemas.microsoft.com/office/drawing/2010/main" xmlns="" w="9525">
                 <a:solidFill>
                   <a:schemeClr val="tx1"/>
                 </a:solidFill>
@@ -16272,7 +16406,7 @@
           </a:ln>
           <a:extLst>
             <a:ext uri="{909E8E84-426E-40dd-AFC4-6F175D3DCCD1}">
-              <a14:hiddenFill xmlns="" xmlns:a14="http://schemas.microsoft.com/office/drawing/2010/main">
+              <a14:hiddenFill xmlns:a14="http://schemas.microsoft.com/office/drawing/2010/main" xmlns="">
                 <a:solidFill>
                   <a:schemeClr val="accent1"/>
                 </a:solidFill>
@@ -16315,14 +16449,14 @@
           </a:ln>
           <a:extLst>
             <a:ext uri="{909E8E84-426E-40dd-AFC4-6F175D3DCCD1}">
-              <a14:hiddenFill xmlns="" xmlns:a14="http://schemas.microsoft.com/office/drawing/2010/main">
+              <a14:hiddenFill xmlns:a14="http://schemas.microsoft.com/office/drawing/2010/main" xmlns="">
                 <a:solidFill>
                   <a:schemeClr val="accent1"/>
                 </a:solidFill>
               </a14:hiddenFill>
             </a:ext>
             <a:ext uri="{91240B29-F687-4f45-9708-019B960494DF}">
-              <a14:hiddenLine xmlns="" xmlns:a14="http://schemas.microsoft.com/office/drawing/2010/main" w="9525">
+              <a14:hiddenLine xmlns:a14="http://schemas.microsoft.com/office/drawing/2010/main" xmlns="" w="9525">
                 <a:solidFill>
                   <a:schemeClr val="tx1"/>
                 </a:solidFill>
@@ -16377,7 +16511,7 @@
           </a:ln>
           <a:extLst>
             <a:ext uri="{909E8E84-426E-40dd-AFC4-6F175D3DCCD1}">
-              <a14:hiddenFill xmlns="" xmlns:a14="http://schemas.microsoft.com/office/drawing/2010/main">
+              <a14:hiddenFill xmlns:a14="http://schemas.microsoft.com/office/drawing/2010/main" xmlns="">
                 <a:noFill/>
               </a14:hiddenFill>
             </a:ext>
@@ -16445,14 +16579,14 @@
           </a:ln>
           <a:extLst>
             <a:ext uri="{909E8E84-426E-40dd-AFC4-6F175D3DCCD1}">
-              <a14:hiddenFill xmlns="" xmlns:a14="http://schemas.microsoft.com/office/drawing/2010/main">
+              <a14:hiddenFill xmlns:a14="http://schemas.microsoft.com/office/drawing/2010/main" xmlns="">
                 <a:solidFill>
                   <a:schemeClr val="accent1"/>
                 </a:solidFill>
               </a14:hiddenFill>
             </a:ext>
             <a:ext uri="{91240B29-F687-4f45-9708-019B960494DF}">
-              <a14:hiddenLine xmlns="" xmlns:a14="http://schemas.microsoft.com/office/drawing/2010/main" w="9525">
+              <a14:hiddenLine xmlns:a14="http://schemas.microsoft.com/office/drawing/2010/main" xmlns="" w="9525">
                 <a:solidFill>
                   <a:schemeClr val="tx1"/>
                 </a:solidFill>
@@ -16558,7 +16692,7 @@
           </a:ln>
           <a:extLst>
             <a:ext uri="{909E8E84-426E-40dd-AFC4-6F175D3DCCD1}">
-              <a14:hiddenFill xmlns="" xmlns:a14="http://schemas.microsoft.com/office/drawing/2010/main">
+              <a14:hiddenFill xmlns:a14="http://schemas.microsoft.com/office/drawing/2010/main" xmlns="">
                 <a:solidFill>
                   <a:schemeClr val="accent1"/>
                 </a:solidFill>
@@ -16623,7 +16757,7 @@
           </a:ln>
           <a:extLst>
             <a:ext uri="{909E8E84-426E-40dd-AFC4-6F175D3DCCD1}">
-              <a14:hiddenFill xmlns="" xmlns:a14="http://schemas.microsoft.com/office/drawing/2010/main">
+              <a14:hiddenFill xmlns:a14="http://schemas.microsoft.com/office/drawing/2010/main" xmlns="">
                 <a:solidFill>
                   <a:schemeClr val="accent1"/>
                 </a:solidFill>
@@ -16710,7 +16844,7 @@
           </a:ln>
           <a:extLst>
             <a:ext uri="{909E8E84-426E-40dd-AFC4-6F175D3DCCD1}">
-              <a14:hiddenFill xmlns="" xmlns:a14="http://schemas.microsoft.com/office/drawing/2010/main">
+              <a14:hiddenFill xmlns:a14="http://schemas.microsoft.com/office/drawing/2010/main" xmlns="">
                 <a:solidFill>
                   <a:schemeClr val="accent1"/>
                 </a:solidFill>
@@ -16753,7 +16887,7 @@
           </a:ln>
           <a:extLst>
             <a:ext uri="{909E8E84-426E-40dd-AFC4-6F175D3DCCD1}">
-              <a14:hiddenFill xmlns="" xmlns:a14="http://schemas.microsoft.com/office/drawing/2010/main">
+              <a14:hiddenFill xmlns:a14="http://schemas.microsoft.com/office/drawing/2010/main" xmlns="">
                 <a:solidFill>
                   <a:schemeClr val="accent1"/>
                 </a:solidFill>
@@ -16798,7 +16932,7 @@
           </a:ln>
           <a:extLst>
             <a:ext uri="{909E8E84-426E-40dd-AFC4-6F175D3DCCD1}">
-              <a14:hiddenFill xmlns="" xmlns:a14="http://schemas.microsoft.com/office/drawing/2010/main">
+              <a14:hiddenFill xmlns:a14="http://schemas.microsoft.com/office/drawing/2010/main" xmlns="">
                 <a:noFill/>
               </a14:hiddenFill>
             </a:ext>
@@ -16827,14 +16961,14 @@
           </a:ln>
           <a:extLst>
             <a:ext uri="{909E8E84-426E-40dd-AFC4-6F175D3DCCD1}">
-              <a14:hiddenFill xmlns="" xmlns:a14="http://schemas.microsoft.com/office/drawing/2010/main">
+              <a14:hiddenFill xmlns:a14="http://schemas.microsoft.com/office/drawing/2010/main" xmlns="">
                 <a:solidFill>
                   <a:schemeClr val="accent1"/>
                 </a:solidFill>
               </a14:hiddenFill>
             </a:ext>
             <a:ext uri="{91240B29-F687-4f45-9708-019B960494DF}">
-              <a14:hiddenLine xmlns="" xmlns:a14="http://schemas.microsoft.com/office/drawing/2010/main" w="9525">
+              <a14:hiddenLine xmlns:a14="http://schemas.microsoft.com/office/drawing/2010/main" xmlns="" w="9525">
                 <a:solidFill>
                   <a:schemeClr val="tx1"/>
                 </a:solidFill>
@@ -16880,14 +17014,14 @@
           </a:ln>
           <a:extLst>
             <a:ext uri="{909E8E84-426E-40dd-AFC4-6F175D3DCCD1}">
-              <a14:hiddenFill xmlns="" xmlns:a14="http://schemas.microsoft.com/office/drawing/2010/main">
+              <a14:hiddenFill xmlns:a14="http://schemas.microsoft.com/office/drawing/2010/main" xmlns="">
                 <a:solidFill>
                   <a:schemeClr val="accent1"/>
                 </a:solidFill>
               </a14:hiddenFill>
             </a:ext>
             <a:ext uri="{91240B29-F687-4f45-9708-019B960494DF}">
-              <a14:hiddenLine xmlns="" xmlns:a14="http://schemas.microsoft.com/office/drawing/2010/main" w="9525">
+              <a14:hiddenLine xmlns:a14="http://schemas.microsoft.com/office/drawing/2010/main" xmlns="" w="9525">
                 <a:solidFill>
                   <a:schemeClr val="tx1"/>
                 </a:solidFill>
@@ -16942,7 +17076,7 @@
           </a:ln>
           <a:extLst>
             <a:ext uri="{909E8E84-426E-40dd-AFC4-6F175D3DCCD1}">
-              <a14:hiddenFill xmlns="" xmlns:a14="http://schemas.microsoft.com/office/drawing/2010/main">
+              <a14:hiddenFill xmlns:a14="http://schemas.microsoft.com/office/drawing/2010/main" xmlns="">
                 <a:solidFill>
                   <a:schemeClr val="accent1"/>
                 </a:solidFill>
@@ -16985,14 +17119,14 @@
           </a:ln>
           <a:extLst>
             <a:ext uri="{909E8E84-426E-40dd-AFC4-6F175D3DCCD1}">
-              <a14:hiddenFill xmlns="" xmlns:a14="http://schemas.microsoft.com/office/drawing/2010/main">
+              <a14:hiddenFill xmlns:a14="http://schemas.microsoft.com/office/drawing/2010/main" xmlns="">
                 <a:solidFill>
                   <a:schemeClr val="accent1"/>
                 </a:solidFill>
               </a14:hiddenFill>
             </a:ext>
             <a:ext uri="{91240B29-F687-4f45-9708-019B960494DF}">
-              <a14:hiddenLine xmlns="" xmlns:a14="http://schemas.microsoft.com/office/drawing/2010/main" w="9525">
+              <a14:hiddenLine xmlns:a14="http://schemas.microsoft.com/office/drawing/2010/main" xmlns="" w="9525">
                 <a:solidFill>
                   <a:schemeClr val="tx1"/>
                 </a:solidFill>
@@ -17047,7 +17181,7 @@
           </a:ln>
           <a:extLst>
             <a:ext uri="{909E8E84-426E-40dd-AFC4-6F175D3DCCD1}">
-              <a14:hiddenFill xmlns="" xmlns:a14="http://schemas.microsoft.com/office/drawing/2010/main">
+              <a14:hiddenFill xmlns:a14="http://schemas.microsoft.com/office/drawing/2010/main" xmlns="">
                 <a:noFill/>
               </a14:hiddenFill>
             </a:ext>
@@ -17115,14 +17249,14 @@
           </a:ln>
           <a:extLst>
             <a:ext uri="{909E8E84-426E-40dd-AFC4-6F175D3DCCD1}">
-              <a14:hiddenFill xmlns="" xmlns:a14="http://schemas.microsoft.com/office/drawing/2010/main">
+              <a14:hiddenFill xmlns:a14="http://schemas.microsoft.com/office/drawing/2010/main" xmlns="">
                 <a:solidFill>
                   <a:schemeClr val="accent1"/>
                 </a:solidFill>
               </a14:hiddenFill>
             </a:ext>
             <a:ext uri="{91240B29-F687-4f45-9708-019B960494DF}">
-              <a14:hiddenLine xmlns="" xmlns:a14="http://schemas.microsoft.com/office/drawing/2010/main" w="9525">
+              <a14:hiddenLine xmlns:a14="http://schemas.microsoft.com/office/drawing/2010/main" xmlns="" w="9525">
                 <a:solidFill>
                   <a:schemeClr val="tx1"/>
                 </a:solidFill>
@@ -17191,14 +17325,14 @@
           </a:ln>
           <a:extLst>
             <a:ext uri="{909E8E84-426E-40dd-AFC4-6F175D3DCCD1}">
-              <a14:hiddenFill xmlns="" xmlns:a14="http://schemas.microsoft.com/office/drawing/2010/main">
+              <a14:hiddenFill xmlns:a14="http://schemas.microsoft.com/office/drawing/2010/main" xmlns="">
                 <a:solidFill>
                   <a:schemeClr val="accent1"/>
                 </a:solidFill>
               </a14:hiddenFill>
             </a:ext>
             <a:ext uri="{91240B29-F687-4f45-9708-019B960494DF}">
-              <a14:hiddenLine xmlns="" xmlns:a14="http://schemas.microsoft.com/office/drawing/2010/main" w="9525">
+              <a14:hiddenLine xmlns:a14="http://schemas.microsoft.com/office/drawing/2010/main" xmlns="" w="9525">
                 <a:solidFill>
                   <a:schemeClr val="tx1"/>
                 </a:solidFill>
@@ -17288,7 +17422,7 @@
           </a:ln>
           <a:extLst>
             <a:ext uri="{909E8E84-426E-40dd-AFC4-6F175D3DCCD1}">
-              <a14:hiddenFill xmlns="" xmlns:a14="http://schemas.microsoft.com/office/drawing/2010/main">
+              <a14:hiddenFill xmlns:a14="http://schemas.microsoft.com/office/drawing/2010/main" xmlns="">
                 <a:solidFill>
                   <a:schemeClr val="accent1"/>
                 </a:solidFill>
@@ -17353,7 +17487,7 @@
           </a:ln>
           <a:extLst>
             <a:ext uri="{909E8E84-426E-40dd-AFC4-6F175D3DCCD1}">
-              <a14:hiddenFill xmlns="" xmlns:a14="http://schemas.microsoft.com/office/drawing/2010/main">
+              <a14:hiddenFill xmlns:a14="http://schemas.microsoft.com/office/drawing/2010/main" xmlns="">
                 <a:solidFill>
                   <a:schemeClr val="accent1"/>
                 </a:solidFill>
@@ -17440,7 +17574,7 @@
           </a:ln>
           <a:extLst>
             <a:ext uri="{909E8E84-426E-40dd-AFC4-6F175D3DCCD1}">
-              <a14:hiddenFill xmlns="" xmlns:a14="http://schemas.microsoft.com/office/drawing/2010/main">
+              <a14:hiddenFill xmlns:a14="http://schemas.microsoft.com/office/drawing/2010/main" xmlns="">
                 <a:solidFill>
                   <a:schemeClr val="accent1"/>
                 </a:solidFill>
@@ -17483,7 +17617,7 @@
           </a:ln>
           <a:extLst>
             <a:ext uri="{909E8E84-426E-40dd-AFC4-6F175D3DCCD1}">
-              <a14:hiddenFill xmlns="" xmlns:a14="http://schemas.microsoft.com/office/drawing/2010/main">
+              <a14:hiddenFill xmlns:a14="http://schemas.microsoft.com/office/drawing/2010/main" xmlns="">
                 <a:solidFill>
                   <a:schemeClr val="accent1"/>
                 </a:solidFill>
@@ -17528,7 +17662,7 @@
           </a:ln>
           <a:extLst>
             <a:ext uri="{909E8E84-426E-40dd-AFC4-6F175D3DCCD1}">
-              <a14:hiddenFill xmlns="" xmlns:a14="http://schemas.microsoft.com/office/drawing/2010/main">
+              <a14:hiddenFill xmlns:a14="http://schemas.microsoft.com/office/drawing/2010/main" xmlns="">
                 <a:noFill/>
               </a14:hiddenFill>
             </a:ext>
@@ -17557,14 +17691,14 @@
           </a:ln>
           <a:extLst>
             <a:ext uri="{909E8E84-426E-40dd-AFC4-6F175D3DCCD1}">
-              <a14:hiddenFill xmlns="" xmlns:a14="http://schemas.microsoft.com/office/drawing/2010/main">
+              <a14:hiddenFill xmlns:a14="http://schemas.microsoft.com/office/drawing/2010/main" xmlns="">
                 <a:solidFill>
                   <a:schemeClr val="accent1"/>
                 </a:solidFill>
               </a14:hiddenFill>
             </a:ext>
             <a:ext uri="{91240B29-F687-4f45-9708-019B960494DF}">
-              <a14:hiddenLine xmlns="" xmlns:a14="http://schemas.microsoft.com/office/drawing/2010/main" w="9525">
+              <a14:hiddenLine xmlns:a14="http://schemas.microsoft.com/office/drawing/2010/main" xmlns="" w="9525">
                 <a:solidFill>
                   <a:schemeClr val="tx1"/>
                 </a:solidFill>
@@ -17610,14 +17744,14 @@
           </a:ln>
           <a:extLst>
             <a:ext uri="{909E8E84-426E-40dd-AFC4-6F175D3DCCD1}">
-              <a14:hiddenFill xmlns="" xmlns:a14="http://schemas.microsoft.com/office/drawing/2010/main">
+              <a14:hiddenFill xmlns:a14="http://schemas.microsoft.com/office/drawing/2010/main" xmlns="">
                 <a:solidFill>
                   <a:schemeClr val="accent1"/>
                 </a:solidFill>
               </a14:hiddenFill>
             </a:ext>
             <a:ext uri="{91240B29-F687-4f45-9708-019B960494DF}">
-              <a14:hiddenLine xmlns="" xmlns:a14="http://schemas.microsoft.com/office/drawing/2010/main" w="9525">
+              <a14:hiddenLine xmlns:a14="http://schemas.microsoft.com/office/drawing/2010/main" xmlns="" w="9525">
                 <a:solidFill>
                   <a:schemeClr val="tx1"/>
                 </a:solidFill>
@@ -17672,7 +17806,7 @@
           </a:ln>
           <a:extLst>
             <a:ext uri="{909E8E84-426E-40dd-AFC4-6F175D3DCCD1}">
-              <a14:hiddenFill xmlns="" xmlns:a14="http://schemas.microsoft.com/office/drawing/2010/main">
+              <a14:hiddenFill xmlns:a14="http://schemas.microsoft.com/office/drawing/2010/main" xmlns="">
                 <a:solidFill>
                   <a:schemeClr val="accent1"/>
                 </a:solidFill>
@@ -17715,14 +17849,14 @@
           </a:ln>
           <a:extLst>
             <a:ext uri="{909E8E84-426E-40dd-AFC4-6F175D3DCCD1}">
-              <a14:hiddenFill xmlns="" xmlns:a14="http://schemas.microsoft.com/office/drawing/2010/main">
+              <a14:hiddenFill xmlns:a14="http://schemas.microsoft.com/office/drawing/2010/main" xmlns="">
                 <a:solidFill>
                   <a:schemeClr val="accent1"/>
                 </a:solidFill>
               </a14:hiddenFill>
             </a:ext>
             <a:ext uri="{91240B29-F687-4f45-9708-019B960494DF}">
-              <a14:hiddenLine xmlns="" xmlns:a14="http://schemas.microsoft.com/office/drawing/2010/main" w="9525">
+              <a14:hiddenLine xmlns:a14="http://schemas.microsoft.com/office/drawing/2010/main" xmlns="" w="9525">
                 <a:solidFill>
                   <a:schemeClr val="tx1"/>
                 </a:solidFill>
@@ -17777,7 +17911,7 @@
           </a:ln>
           <a:extLst>
             <a:ext uri="{909E8E84-426E-40dd-AFC4-6F175D3DCCD1}">
-              <a14:hiddenFill xmlns="" xmlns:a14="http://schemas.microsoft.com/office/drawing/2010/main">
+              <a14:hiddenFill xmlns:a14="http://schemas.microsoft.com/office/drawing/2010/main" xmlns="">
                 <a:noFill/>
               </a14:hiddenFill>
             </a:ext>
@@ -17845,14 +17979,14 @@
           </a:ln>
           <a:extLst>
             <a:ext uri="{909E8E84-426E-40dd-AFC4-6F175D3DCCD1}">
-              <a14:hiddenFill xmlns="" xmlns:a14="http://schemas.microsoft.com/office/drawing/2010/main">
+              <a14:hiddenFill xmlns:a14="http://schemas.microsoft.com/office/drawing/2010/main" xmlns="">
                 <a:solidFill>
                   <a:schemeClr val="accent1"/>
                 </a:solidFill>
               </a14:hiddenFill>
             </a:ext>
             <a:ext uri="{91240B29-F687-4f45-9708-019B960494DF}">
-              <a14:hiddenLine xmlns="" xmlns:a14="http://schemas.microsoft.com/office/drawing/2010/main" w="9525">
+              <a14:hiddenLine xmlns:a14="http://schemas.microsoft.com/office/drawing/2010/main" xmlns="" w="9525">
                 <a:solidFill>
                   <a:schemeClr val="tx1"/>
                 </a:solidFill>
@@ -17921,14 +18055,14 @@
           </a:ln>
           <a:extLst>
             <a:ext uri="{909E8E84-426E-40dd-AFC4-6F175D3DCCD1}">
-              <a14:hiddenFill xmlns="" xmlns:a14="http://schemas.microsoft.com/office/drawing/2010/main">
+              <a14:hiddenFill xmlns:a14="http://schemas.microsoft.com/office/drawing/2010/main" xmlns="">
                 <a:solidFill>
                   <a:schemeClr val="accent1"/>
                 </a:solidFill>
               </a14:hiddenFill>
             </a:ext>
             <a:ext uri="{91240B29-F687-4f45-9708-019B960494DF}">
-              <a14:hiddenLine xmlns="" xmlns:a14="http://schemas.microsoft.com/office/drawing/2010/main" w="9525">
+              <a14:hiddenLine xmlns:a14="http://schemas.microsoft.com/office/drawing/2010/main" xmlns="" w="9525">
                 <a:solidFill>
                   <a:schemeClr val="tx1"/>
                 </a:solidFill>
@@ -17981,14 +18115,14 @@
           </a:ln>
           <a:extLst>
             <a:ext uri="{909E8E84-426E-40dd-AFC4-6F175D3DCCD1}">
-              <a14:hiddenFill xmlns="" xmlns:a14="http://schemas.microsoft.com/office/drawing/2010/main">
+              <a14:hiddenFill xmlns:a14="http://schemas.microsoft.com/office/drawing/2010/main" xmlns="">
                 <a:solidFill>
                   <a:schemeClr val="accent1"/>
                 </a:solidFill>
               </a14:hiddenFill>
             </a:ext>
             <a:ext uri="{91240B29-F687-4f45-9708-019B960494DF}">
-              <a14:hiddenLine xmlns="" xmlns:a14="http://schemas.microsoft.com/office/drawing/2010/main" w="9525">
+              <a14:hiddenLine xmlns:a14="http://schemas.microsoft.com/office/drawing/2010/main" xmlns="" w="9525">
                 <a:solidFill>
                   <a:schemeClr val="tx1"/>
                 </a:solidFill>
@@ -18078,7 +18212,7 @@
           </a:ln>
           <a:extLst>
             <a:ext uri="{909E8E84-426E-40dd-AFC4-6F175D3DCCD1}">
-              <a14:hiddenFill xmlns="" xmlns:a14="http://schemas.microsoft.com/office/drawing/2010/main">
+              <a14:hiddenFill xmlns:a14="http://schemas.microsoft.com/office/drawing/2010/main" xmlns="">
                 <a:solidFill>
                   <a:schemeClr val="accent1"/>
                 </a:solidFill>
@@ -18143,7 +18277,7 @@
           </a:ln>
           <a:extLst>
             <a:ext uri="{909E8E84-426E-40dd-AFC4-6F175D3DCCD1}">
-              <a14:hiddenFill xmlns="" xmlns:a14="http://schemas.microsoft.com/office/drawing/2010/main">
+              <a14:hiddenFill xmlns:a14="http://schemas.microsoft.com/office/drawing/2010/main" xmlns="">
                 <a:solidFill>
                   <a:schemeClr val="accent1"/>
                 </a:solidFill>
@@ -18230,7 +18364,7 @@
           </a:ln>
           <a:extLst>
             <a:ext uri="{909E8E84-426E-40dd-AFC4-6F175D3DCCD1}">
-              <a14:hiddenFill xmlns="" xmlns:a14="http://schemas.microsoft.com/office/drawing/2010/main">
+              <a14:hiddenFill xmlns:a14="http://schemas.microsoft.com/office/drawing/2010/main" xmlns="">
                 <a:solidFill>
                   <a:schemeClr val="accent1"/>
                 </a:solidFill>
@@ -18273,7 +18407,7 @@
           </a:ln>
           <a:extLst>
             <a:ext uri="{909E8E84-426E-40dd-AFC4-6F175D3DCCD1}">
-              <a14:hiddenFill xmlns="" xmlns:a14="http://schemas.microsoft.com/office/drawing/2010/main">
+              <a14:hiddenFill xmlns:a14="http://schemas.microsoft.com/office/drawing/2010/main" xmlns="">
                 <a:solidFill>
                   <a:schemeClr val="accent1"/>
                 </a:solidFill>
@@ -18318,7 +18452,7 @@
           </a:ln>
           <a:extLst>
             <a:ext uri="{909E8E84-426E-40dd-AFC4-6F175D3DCCD1}">
-              <a14:hiddenFill xmlns="" xmlns:a14="http://schemas.microsoft.com/office/drawing/2010/main">
+              <a14:hiddenFill xmlns:a14="http://schemas.microsoft.com/office/drawing/2010/main" xmlns="">
                 <a:noFill/>
               </a14:hiddenFill>
             </a:ext>
@@ -18347,14 +18481,14 @@
           </a:ln>
           <a:extLst>
             <a:ext uri="{909E8E84-426E-40dd-AFC4-6F175D3DCCD1}">
-              <a14:hiddenFill xmlns="" xmlns:a14="http://schemas.microsoft.com/office/drawing/2010/main">
+              <a14:hiddenFill xmlns:a14="http://schemas.microsoft.com/office/drawing/2010/main" xmlns="">
                 <a:solidFill>
                   <a:schemeClr val="accent1"/>
                 </a:solidFill>
               </a14:hiddenFill>
             </a:ext>
             <a:ext uri="{91240B29-F687-4f45-9708-019B960494DF}">
-              <a14:hiddenLine xmlns="" xmlns:a14="http://schemas.microsoft.com/office/drawing/2010/main" w="9525">
+              <a14:hiddenLine xmlns:a14="http://schemas.microsoft.com/office/drawing/2010/main" xmlns="" w="9525">
                 <a:solidFill>
                   <a:schemeClr val="tx1"/>
                 </a:solidFill>
@@ -18400,14 +18534,14 @@
           </a:ln>
           <a:extLst>
             <a:ext uri="{909E8E84-426E-40dd-AFC4-6F175D3DCCD1}">
-              <a14:hiddenFill xmlns="" xmlns:a14="http://schemas.microsoft.com/office/drawing/2010/main">
+              <a14:hiddenFill xmlns:a14="http://schemas.microsoft.com/office/drawing/2010/main" xmlns="">
                 <a:solidFill>
                   <a:schemeClr val="accent1"/>
                 </a:solidFill>
               </a14:hiddenFill>
             </a:ext>
             <a:ext uri="{91240B29-F687-4f45-9708-019B960494DF}">
-              <a14:hiddenLine xmlns="" xmlns:a14="http://schemas.microsoft.com/office/drawing/2010/main" w="9525">
+              <a14:hiddenLine xmlns:a14="http://schemas.microsoft.com/office/drawing/2010/main" xmlns="" w="9525">
                 <a:solidFill>
                   <a:schemeClr val="tx1"/>
                 </a:solidFill>
@@ -18458,7 +18592,7 @@
           </a:ln>
           <a:extLst>
             <a:ext uri="{909E8E84-426E-40dd-AFC4-6F175D3DCCD1}">
-              <a14:hiddenFill xmlns="" xmlns:a14="http://schemas.microsoft.com/office/drawing/2010/main">
+              <a14:hiddenFill xmlns:a14="http://schemas.microsoft.com/office/drawing/2010/main" xmlns="">
                 <a:solidFill>
                   <a:schemeClr val="accent1"/>
                 </a:solidFill>
@@ -18501,14 +18635,14 @@
           </a:ln>
           <a:extLst>
             <a:ext uri="{909E8E84-426E-40dd-AFC4-6F175D3DCCD1}">
-              <a14:hiddenFill xmlns="" xmlns:a14="http://schemas.microsoft.com/office/drawing/2010/main">
+              <a14:hiddenFill xmlns:a14="http://schemas.microsoft.com/office/drawing/2010/main" xmlns="">
                 <a:solidFill>
                   <a:schemeClr val="accent1"/>
                 </a:solidFill>
               </a14:hiddenFill>
             </a:ext>
             <a:ext uri="{91240B29-F687-4f45-9708-019B960494DF}">
-              <a14:hiddenLine xmlns="" xmlns:a14="http://schemas.microsoft.com/office/drawing/2010/main" w="9525">
+              <a14:hiddenLine xmlns:a14="http://schemas.microsoft.com/office/drawing/2010/main" xmlns="" w="9525">
                 <a:solidFill>
                   <a:schemeClr val="tx1"/>
                 </a:solidFill>
@@ -18563,7 +18697,7 @@
           </a:ln>
           <a:extLst>
             <a:ext uri="{909E8E84-426E-40dd-AFC4-6F175D3DCCD1}">
-              <a14:hiddenFill xmlns="" xmlns:a14="http://schemas.microsoft.com/office/drawing/2010/main">
+              <a14:hiddenFill xmlns:a14="http://schemas.microsoft.com/office/drawing/2010/main" xmlns="">
                 <a:noFill/>
               </a14:hiddenFill>
             </a:ext>
@@ -18631,14 +18765,14 @@
           </a:ln>
           <a:extLst>
             <a:ext uri="{909E8E84-426E-40dd-AFC4-6F175D3DCCD1}">
-              <a14:hiddenFill xmlns="" xmlns:a14="http://schemas.microsoft.com/office/drawing/2010/main">
+              <a14:hiddenFill xmlns:a14="http://schemas.microsoft.com/office/drawing/2010/main" xmlns="">
                 <a:solidFill>
                   <a:schemeClr val="accent1"/>
                 </a:solidFill>
               </a14:hiddenFill>
             </a:ext>
             <a:ext uri="{91240B29-F687-4f45-9708-019B960494DF}">
-              <a14:hiddenLine xmlns="" xmlns:a14="http://schemas.microsoft.com/office/drawing/2010/main" w="9525">
+              <a14:hiddenLine xmlns:a14="http://schemas.microsoft.com/office/drawing/2010/main" xmlns="" w="9525">
                 <a:solidFill>
                   <a:schemeClr val="tx1"/>
                 </a:solidFill>
@@ -18707,14 +18841,14 @@
           </a:ln>
           <a:extLst>
             <a:ext uri="{909E8E84-426E-40dd-AFC4-6F175D3DCCD1}">
-              <a14:hiddenFill xmlns="" xmlns:a14="http://schemas.microsoft.com/office/drawing/2010/main">
+              <a14:hiddenFill xmlns:a14="http://schemas.microsoft.com/office/drawing/2010/main" xmlns="">
                 <a:solidFill>
                   <a:schemeClr val="accent1"/>
                 </a:solidFill>
               </a14:hiddenFill>
             </a:ext>
             <a:ext uri="{91240B29-F687-4f45-9708-019B960494DF}">
-              <a14:hiddenLine xmlns="" xmlns:a14="http://schemas.microsoft.com/office/drawing/2010/main" w="9525">
+              <a14:hiddenLine xmlns:a14="http://schemas.microsoft.com/office/drawing/2010/main" xmlns="" w="9525">
                 <a:solidFill>
                   <a:schemeClr val="tx1"/>
                 </a:solidFill>
@@ -18767,14 +18901,14 @@
           </a:ln>
           <a:extLst>
             <a:ext uri="{909E8E84-426E-40dd-AFC4-6F175D3DCCD1}">
-              <a14:hiddenFill xmlns="" xmlns:a14="http://schemas.microsoft.com/office/drawing/2010/main">
+              <a14:hiddenFill xmlns:a14="http://schemas.microsoft.com/office/drawing/2010/main" xmlns="">
                 <a:solidFill>
                   <a:schemeClr val="accent1"/>
                 </a:solidFill>
               </a14:hiddenFill>
             </a:ext>
             <a:ext uri="{91240B29-F687-4f45-9708-019B960494DF}">
-              <a14:hiddenLine xmlns="" xmlns:a14="http://schemas.microsoft.com/office/drawing/2010/main" w="9525">
+              <a14:hiddenLine xmlns:a14="http://schemas.microsoft.com/office/drawing/2010/main" xmlns="" w="9525">
                 <a:solidFill>
                   <a:schemeClr val="tx1"/>
                 </a:solidFill>
@@ -18832,7 +18966,7 @@
           </a:ln>
           <a:extLst>
             <a:ext uri="{909E8E84-426E-40dd-AFC4-6F175D3DCCD1}">
-              <a14:hiddenFill xmlns="" xmlns:a14="http://schemas.microsoft.com/office/drawing/2010/main">
+              <a14:hiddenFill xmlns:a14="http://schemas.microsoft.com/office/drawing/2010/main" xmlns="">
                 <a:solidFill>
                   <a:schemeClr val="accent1"/>
                 </a:solidFill>
@@ -18894,14 +19028,14 @@
           </a:ln>
           <a:extLst>
             <a:ext uri="{909E8E84-426E-40dd-AFC4-6F175D3DCCD1}">
-              <a14:hiddenFill xmlns="" xmlns:a14="http://schemas.microsoft.com/office/drawing/2010/main">
+              <a14:hiddenFill xmlns:a14="http://schemas.microsoft.com/office/drawing/2010/main" xmlns="">
                 <a:solidFill>
                   <a:schemeClr val="accent1"/>
                 </a:solidFill>
               </a14:hiddenFill>
             </a:ext>
             <a:ext uri="{91240B29-F687-4f45-9708-019B960494DF}">
-              <a14:hiddenLine xmlns="" xmlns:a14="http://schemas.microsoft.com/office/drawing/2010/main" w="9525">
+              <a14:hiddenLine xmlns:a14="http://schemas.microsoft.com/office/drawing/2010/main" xmlns="" w="9525">
                 <a:solidFill>
                   <a:schemeClr val="tx1"/>
                 </a:solidFill>
@@ -18954,14 +19088,14 @@
           </a:ln>
           <a:extLst>
             <a:ext uri="{909E8E84-426E-40dd-AFC4-6F175D3DCCD1}">
-              <a14:hiddenFill xmlns="" xmlns:a14="http://schemas.microsoft.com/office/drawing/2010/main">
+              <a14:hiddenFill xmlns:a14="http://schemas.microsoft.com/office/drawing/2010/main" xmlns="">
                 <a:solidFill>
                   <a:schemeClr val="accent1"/>
                 </a:solidFill>
               </a14:hiddenFill>
             </a:ext>
             <a:ext uri="{91240B29-F687-4f45-9708-019B960494DF}">
-              <a14:hiddenLine xmlns="" xmlns:a14="http://schemas.microsoft.com/office/drawing/2010/main" w="9525">
+              <a14:hiddenLine xmlns:a14="http://schemas.microsoft.com/office/drawing/2010/main" xmlns="" w="9525">
                 <a:solidFill>
                   <a:schemeClr val="tx1"/>
                 </a:solidFill>
@@ -19084,7 +19218,7 @@
           </a:ln>
           <a:extLst>
             <a:ext uri="{909E8E84-426E-40dd-AFC4-6F175D3DCCD1}">
-              <a14:hiddenFill xmlns="" xmlns:a14="http://schemas.microsoft.com/office/drawing/2010/main">
+              <a14:hiddenFill xmlns:a14="http://schemas.microsoft.com/office/drawing/2010/main" xmlns="">
                 <a:solidFill>
                   <a:schemeClr val="accent1"/>
                 </a:solidFill>
@@ -19149,7 +19283,7 @@
           </a:ln>
           <a:extLst>
             <a:ext uri="{909E8E84-426E-40dd-AFC4-6F175D3DCCD1}">
-              <a14:hiddenFill xmlns="" xmlns:a14="http://schemas.microsoft.com/office/drawing/2010/main">
+              <a14:hiddenFill xmlns:a14="http://schemas.microsoft.com/office/drawing/2010/main" xmlns="">
                 <a:solidFill>
                   <a:schemeClr val="accent1"/>
                 </a:solidFill>
@@ -19236,7 +19370,7 @@
           </a:ln>
           <a:extLst>
             <a:ext uri="{909E8E84-426E-40dd-AFC4-6F175D3DCCD1}">
-              <a14:hiddenFill xmlns="" xmlns:a14="http://schemas.microsoft.com/office/drawing/2010/main">
+              <a14:hiddenFill xmlns:a14="http://schemas.microsoft.com/office/drawing/2010/main" xmlns="">
                 <a:solidFill>
                   <a:schemeClr val="accent1"/>
                 </a:solidFill>
@@ -19279,7 +19413,7 @@
           </a:ln>
           <a:extLst>
             <a:ext uri="{909E8E84-426E-40dd-AFC4-6F175D3DCCD1}">
-              <a14:hiddenFill xmlns="" xmlns:a14="http://schemas.microsoft.com/office/drawing/2010/main">
+              <a14:hiddenFill xmlns:a14="http://schemas.microsoft.com/office/drawing/2010/main" xmlns="">
                 <a:solidFill>
                   <a:schemeClr val="accent1"/>
                 </a:solidFill>
@@ -19324,7 +19458,7 @@
           </a:ln>
           <a:extLst>
             <a:ext uri="{909E8E84-426E-40dd-AFC4-6F175D3DCCD1}">
-              <a14:hiddenFill xmlns="" xmlns:a14="http://schemas.microsoft.com/office/drawing/2010/main">
+              <a14:hiddenFill xmlns:a14="http://schemas.microsoft.com/office/drawing/2010/main" xmlns="">
                 <a:noFill/>
               </a14:hiddenFill>
             </a:ext>
@@ -19353,14 +19487,14 @@
           </a:ln>
           <a:extLst>
             <a:ext uri="{909E8E84-426E-40dd-AFC4-6F175D3DCCD1}">
-              <a14:hiddenFill xmlns="" xmlns:a14="http://schemas.microsoft.com/office/drawing/2010/main">
+              <a14:hiddenFill xmlns:a14="http://schemas.microsoft.com/office/drawing/2010/main" xmlns="">
                 <a:solidFill>
                   <a:schemeClr val="accent1"/>
                 </a:solidFill>
               </a14:hiddenFill>
             </a:ext>
             <a:ext uri="{91240B29-F687-4f45-9708-019B960494DF}">
-              <a14:hiddenLine xmlns="" xmlns:a14="http://schemas.microsoft.com/office/drawing/2010/main" w="9525">
+              <a14:hiddenLine xmlns:a14="http://schemas.microsoft.com/office/drawing/2010/main" xmlns="" w="9525">
                 <a:solidFill>
                   <a:schemeClr val="tx1"/>
                 </a:solidFill>
@@ -19406,14 +19540,14 @@
           </a:ln>
           <a:extLst>
             <a:ext uri="{909E8E84-426E-40dd-AFC4-6F175D3DCCD1}">
-              <a14:hiddenFill xmlns="" xmlns:a14="http://schemas.microsoft.com/office/drawing/2010/main">
+              <a14:hiddenFill xmlns:a14="http://schemas.microsoft.com/office/drawing/2010/main" xmlns="">
                 <a:solidFill>
                   <a:schemeClr val="accent1"/>
                 </a:solidFill>
               </a14:hiddenFill>
             </a:ext>
             <a:ext uri="{91240B29-F687-4f45-9708-019B960494DF}">
-              <a14:hiddenLine xmlns="" xmlns:a14="http://schemas.microsoft.com/office/drawing/2010/main" w="9525">
+              <a14:hiddenLine xmlns:a14="http://schemas.microsoft.com/office/drawing/2010/main" xmlns="" w="9525">
                 <a:solidFill>
                   <a:schemeClr val="tx1"/>
                 </a:solidFill>
@@ -19464,7 +19598,7 @@
           </a:ln>
           <a:extLst>
             <a:ext uri="{909E8E84-426E-40dd-AFC4-6F175D3DCCD1}">
-              <a14:hiddenFill xmlns="" xmlns:a14="http://schemas.microsoft.com/office/drawing/2010/main">
+              <a14:hiddenFill xmlns:a14="http://schemas.microsoft.com/office/drawing/2010/main" xmlns="">
                 <a:solidFill>
                   <a:schemeClr val="accent1"/>
                 </a:solidFill>
@@ -19507,14 +19641,14 @@
           </a:ln>
           <a:extLst>
             <a:ext uri="{909E8E84-426E-40dd-AFC4-6F175D3DCCD1}">
-              <a14:hiddenFill xmlns="" xmlns:a14="http://schemas.microsoft.com/office/drawing/2010/main">
+              <a14:hiddenFill xmlns:a14="http://schemas.microsoft.com/office/drawing/2010/main" xmlns="">
                 <a:solidFill>
                   <a:schemeClr val="accent1"/>
                 </a:solidFill>
               </a14:hiddenFill>
             </a:ext>
             <a:ext uri="{91240B29-F687-4f45-9708-019B960494DF}">
-              <a14:hiddenLine xmlns="" xmlns:a14="http://schemas.microsoft.com/office/drawing/2010/main" w="9525">
+              <a14:hiddenLine xmlns:a14="http://schemas.microsoft.com/office/drawing/2010/main" xmlns="" w="9525">
                 <a:solidFill>
                   <a:schemeClr val="tx1"/>
                 </a:solidFill>
@@ -19569,7 +19703,7 @@
           </a:ln>
           <a:extLst>
             <a:ext uri="{909E8E84-426E-40dd-AFC4-6F175D3DCCD1}">
-              <a14:hiddenFill xmlns="" xmlns:a14="http://schemas.microsoft.com/office/drawing/2010/main">
+              <a14:hiddenFill xmlns:a14="http://schemas.microsoft.com/office/drawing/2010/main" xmlns="">
                 <a:noFill/>
               </a14:hiddenFill>
             </a:ext>
@@ -19637,14 +19771,14 @@
           </a:ln>
           <a:extLst>
             <a:ext uri="{909E8E84-426E-40dd-AFC4-6F175D3DCCD1}">
-              <a14:hiddenFill xmlns="" xmlns:a14="http://schemas.microsoft.com/office/drawing/2010/main">
+              <a14:hiddenFill xmlns:a14="http://schemas.microsoft.com/office/drawing/2010/main" xmlns="">
                 <a:solidFill>
                   <a:schemeClr val="accent1"/>
                 </a:solidFill>
               </a14:hiddenFill>
             </a:ext>
             <a:ext uri="{91240B29-F687-4f45-9708-019B960494DF}">
-              <a14:hiddenLine xmlns="" xmlns:a14="http://schemas.microsoft.com/office/drawing/2010/main" w="9525">
+              <a14:hiddenLine xmlns:a14="http://schemas.microsoft.com/office/drawing/2010/main" xmlns="" w="9525">
                 <a:solidFill>
                   <a:schemeClr val="tx1"/>
                 </a:solidFill>
@@ -19713,14 +19847,14 @@
           </a:ln>
           <a:extLst>
             <a:ext uri="{909E8E84-426E-40dd-AFC4-6F175D3DCCD1}">
-              <a14:hiddenFill xmlns="" xmlns:a14="http://schemas.microsoft.com/office/drawing/2010/main">
+              <a14:hiddenFill xmlns:a14="http://schemas.microsoft.com/office/drawing/2010/main" xmlns="">
                 <a:solidFill>
                   <a:schemeClr val="accent1"/>
                 </a:solidFill>
               </a14:hiddenFill>
             </a:ext>
             <a:ext uri="{91240B29-F687-4f45-9708-019B960494DF}">
-              <a14:hiddenLine xmlns="" xmlns:a14="http://schemas.microsoft.com/office/drawing/2010/main" w="9525">
+              <a14:hiddenLine xmlns:a14="http://schemas.microsoft.com/office/drawing/2010/main" xmlns="" w="9525">
                 <a:solidFill>
                   <a:schemeClr val="tx1"/>
                 </a:solidFill>
@@ -19773,14 +19907,14 @@
           </a:ln>
           <a:extLst>
             <a:ext uri="{909E8E84-426E-40dd-AFC4-6F175D3DCCD1}">
-              <a14:hiddenFill xmlns="" xmlns:a14="http://schemas.microsoft.com/office/drawing/2010/main">
+              <a14:hiddenFill xmlns:a14="http://schemas.microsoft.com/office/drawing/2010/main" xmlns="">
                 <a:solidFill>
                   <a:schemeClr val="accent1"/>
                 </a:solidFill>
               </a14:hiddenFill>
             </a:ext>
             <a:ext uri="{91240B29-F687-4f45-9708-019B960494DF}">
-              <a14:hiddenLine xmlns="" xmlns:a14="http://schemas.microsoft.com/office/drawing/2010/main" w="9525">
+              <a14:hiddenLine xmlns:a14="http://schemas.microsoft.com/office/drawing/2010/main" xmlns="" w="9525">
                 <a:solidFill>
                   <a:schemeClr val="tx1"/>
                 </a:solidFill>
@@ -19838,7 +19972,7 @@
           </a:ln>
           <a:extLst>
             <a:ext uri="{909E8E84-426E-40dd-AFC4-6F175D3DCCD1}">
-              <a14:hiddenFill xmlns="" xmlns:a14="http://schemas.microsoft.com/office/drawing/2010/main">
+              <a14:hiddenFill xmlns:a14="http://schemas.microsoft.com/office/drawing/2010/main" xmlns="">
                 <a:solidFill>
                   <a:schemeClr val="accent1"/>
                 </a:solidFill>
@@ -19900,14 +20034,14 @@
           </a:ln>
           <a:extLst>
             <a:ext uri="{909E8E84-426E-40dd-AFC4-6F175D3DCCD1}">
-              <a14:hiddenFill xmlns="" xmlns:a14="http://schemas.microsoft.com/office/drawing/2010/main">
+              <a14:hiddenFill xmlns:a14="http://schemas.microsoft.com/office/drawing/2010/main" xmlns="">
                 <a:solidFill>
                   <a:schemeClr val="accent1"/>
                 </a:solidFill>
               </a14:hiddenFill>
             </a:ext>
             <a:ext uri="{91240B29-F687-4f45-9708-019B960494DF}">
-              <a14:hiddenLine xmlns="" xmlns:a14="http://schemas.microsoft.com/office/drawing/2010/main" w="9525">
+              <a14:hiddenLine xmlns:a14="http://schemas.microsoft.com/office/drawing/2010/main" xmlns="" w="9525">
                 <a:solidFill>
                   <a:schemeClr val="tx1"/>
                 </a:solidFill>
@@ -19960,14 +20094,14 @@
           </a:ln>
           <a:extLst>
             <a:ext uri="{909E8E84-426E-40dd-AFC4-6F175D3DCCD1}">
-              <a14:hiddenFill xmlns="" xmlns:a14="http://schemas.microsoft.com/office/drawing/2010/main">
+              <a14:hiddenFill xmlns:a14="http://schemas.microsoft.com/office/drawing/2010/main" xmlns="">
                 <a:solidFill>
                   <a:schemeClr val="accent1"/>
                 </a:solidFill>
               </a14:hiddenFill>
             </a:ext>
             <a:ext uri="{91240B29-F687-4f45-9708-019B960494DF}">
-              <a14:hiddenLine xmlns="" xmlns:a14="http://schemas.microsoft.com/office/drawing/2010/main" w="9525">
+              <a14:hiddenLine xmlns:a14="http://schemas.microsoft.com/office/drawing/2010/main" xmlns="" w="9525">
                 <a:solidFill>
                   <a:schemeClr val="tx1"/>
                 </a:solidFill>
@@ -20050,7 +20184,7 @@
           </a:ln>
           <a:extLst>
             <a:ext uri="{909E8E84-426E-40dd-AFC4-6F175D3DCCD1}">
-              <a14:hiddenFill xmlns="" xmlns:a14="http://schemas.microsoft.com/office/drawing/2010/main">
+              <a14:hiddenFill xmlns:a14="http://schemas.microsoft.com/office/drawing/2010/main" xmlns="">
                 <a:solidFill>
                   <a:schemeClr val="accent1"/>
                 </a:solidFill>
@@ -20115,7 +20249,7 @@
           </a:ln>
           <a:extLst>
             <a:ext uri="{909E8E84-426E-40dd-AFC4-6F175D3DCCD1}">
-              <a14:hiddenFill xmlns="" xmlns:a14="http://schemas.microsoft.com/office/drawing/2010/main">
+              <a14:hiddenFill xmlns:a14="http://schemas.microsoft.com/office/drawing/2010/main" xmlns="">
                 <a:solidFill>
                   <a:schemeClr val="accent1"/>
                 </a:solidFill>
@@ -20202,7 +20336,7 @@
           </a:ln>
           <a:extLst>
             <a:ext uri="{909E8E84-426E-40dd-AFC4-6F175D3DCCD1}">
-              <a14:hiddenFill xmlns="" xmlns:a14="http://schemas.microsoft.com/office/drawing/2010/main">
+              <a14:hiddenFill xmlns:a14="http://schemas.microsoft.com/office/drawing/2010/main" xmlns="">
                 <a:solidFill>
                   <a:schemeClr val="accent1"/>
                 </a:solidFill>
@@ -20245,7 +20379,7 @@
           </a:ln>
           <a:extLst>
             <a:ext uri="{909E8E84-426E-40dd-AFC4-6F175D3DCCD1}">
-              <a14:hiddenFill xmlns="" xmlns:a14="http://schemas.microsoft.com/office/drawing/2010/main">
+              <a14:hiddenFill xmlns:a14="http://schemas.microsoft.com/office/drawing/2010/main" xmlns="">
                 <a:solidFill>
                   <a:schemeClr val="accent1"/>
                 </a:solidFill>
@@ -20290,7 +20424,7 @@
           </a:ln>
           <a:extLst>
             <a:ext uri="{909E8E84-426E-40dd-AFC4-6F175D3DCCD1}">
-              <a14:hiddenFill xmlns="" xmlns:a14="http://schemas.microsoft.com/office/drawing/2010/main">
+              <a14:hiddenFill xmlns:a14="http://schemas.microsoft.com/office/drawing/2010/main" xmlns="">
                 <a:noFill/>
               </a14:hiddenFill>
             </a:ext>
@@ -20319,14 +20453,14 @@
           </a:ln>
           <a:extLst>
             <a:ext uri="{909E8E84-426E-40dd-AFC4-6F175D3DCCD1}">
-              <a14:hiddenFill xmlns="" xmlns:a14="http://schemas.microsoft.com/office/drawing/2010/main">
+              <a14:hiddenFill xmlns:a14="http://schemas.microsoft.com/office/drawing/2010/main" xmlns="">
                 <a:solidFill>
                   <a:schemeClr val="accent1"/>
                 </a:solidFill>
               </a14:hiddenFill>
             </a:ext>
             <a:ext uri="{91240B29-F687-4f45-9708-019B960494DF}">
-              <a14:hiddenLine xmlns="" xmlns:a14="http://schemas.microsoft.com/office/drawing/2010/main" w="9525">
+              <a14:hiddenLine xmlns:a14="http://schemas.microsoft.com/office/drawing/2010/main" xmlns="" w="9525">
                 <a:solidFill>
                   <a:schemeClr val="tx1"/>
                 </a:solidFill>
@@ -20372,14 +20506,14 @@
           </a:ln>
           <a:extLst>
             <a:ext uri="{909E8E84-426E-40dd-AFC4-6F175D3DCCD1}">
-              <a14:hiddenFill xmlns="" xmlns:a14="http://schemas.microsoft.com/office/drawing/2010/main">
+              <a14:hiddenFill xmlns:a14="http://schemas.microsoft.com/office/drawing/2010/main" xmlns="">
                 <a:solidFill>
                   <a:schemeClr val="accent1"/>
                 </a:solidFill>
               </a14:hiddenFill>
             </a:ext>
             <a:ext uri="{91240B29-F687-4f45-9708-019B960494DF}">
-              <a14:hiddenLine xmlns="" xmlns:a14="http://schemas.microsoft.com/office/drawing/2010/main" w="9525">
+              <a14:hiddenLine xmlns:a14="http://schemas.microsoft.com/office/drawing/2010/main" xmlns="" w="9525">
                 <a:solidFill>
                   <a:schemeClr val="tx1"/>
                 </a:solidFill>
@@ -20434,7 +20568,7 @@
           </a:ln>
           <a:extLst>
             <a:ext uri="{909E8E84-426E-40dd-AFC4-6F175D3DCCD1}">
-              <a14:hiddenFill xmlns="" xmlns:a14="http://schemas.microsoft.com/office/drawing/2010/main">
+              <a14:hiddenFill xmlns:a14="http://schemas.microsoft.com/office/drawing/2010/main" xmlns="">
                 <a:solidFill>
                   <a:schemeClr val="accent1"/>
                 </a:solidFill>
@@ -20477,14 +20611,14 @@
           </a:ln>
           <a:extLst>
             <a:ext uri="{909E8E84-426E-40dd-AFC4-6F175D3DCCD1}">
-              <a14:hiddenFill xmlns="" xmlns:a14="http://schemas.microsoft.com/office/drawing/2010/main">
+              <a14:hiddenFill xmlns:a14="http://schemas.microsoft.com/office/drawing/2010/main" xmlns="">
                 <a:solidFill>
                   <a:schemeClr val="accent1"/>
                 </a:solidFill>
               </a14:hiddenFill>
             </a:ext>
             <a:ext uri="{91240B29-F687-4f45-9708-019B960494DF}">
-              <a14:hiddenLine xmlns="" xmlns:a14="http://schemas.microsoft.com/office/drawing/2010/main" w="9525">
+              <a14:hiddenLine xmlns:a14="http://schemas.microsoft.com/office/drawing/2010/main" xmlns="" w="9525">
                 <a:solidFill>
                   <a:schemeClr val="tx1"/>
                 </a:solidFill>
@@ -20539,7 +20673,7 @@
           </a:ln>
           <a:extLst>
             <a:ext uri="{909E8E84-426E-40dd-AFC4-6F175D3DCCD1}">
-              <a14:hiddenFill xmlns="" xmlns:a14="http://schemas.microsoft.com/office/drawing/2010/main">
+              <a14:hiddenFill xmlns:a14="http://schemas.microsoft.com/office/drawing/2010/main" xmlns="">
                 <a:noFill/>
               </a14:hiddenFill>
             </a:ext>
@@ -20607,14 +20741,14 @@
           </a:ln>
           <a:extLst>
             <a:ext uri="{909E8E84-426E-40dd-AFC4-6F175D3DCCD1}">
-              <a14:hiddenFill xmlns="" xmlns:a14="http://schemas.microsoft.com/office/drawing/2010/main">
+              <a14:hiddenFill xmlns:a14="http://schemas.microsoft.com/office/drawing/2010/main" xmlns="">
                 <a:solidFill>
                   <a:schemeClr val="accent1"/>
                 </a:solidFill>
               </a14:hiddenFill>
             </a:ext>
             <a:ext uri="{91240B29-F687-4f45-9708-019B960494DF}">
-              <a14:hiddenLine xmlns="" xmlns:a14="http://schemas.microsoft.com/office/drawing/2010/main" w="9525">
+              <a14:hiddenLine xmlns:a14="http://schemas.microsoft.com/office/drawing/2010/main" xmlns="" w="9525">
                 <a:solidFill>
                   <a:schemeClr val="tx1"/>
                 </a:solidFill>
@@ -20683,14 +20817,14 @@
           </a:ln>
           <a:extLst>
             <a:ext uri="{909E8E84-426E-40dd-AFC4-6F175D3DCCD1}">
-              <a14:hiddenFill xmlns="" xmlns:a14="http://schemas.microsoft.com/office/drawing/2010/main">
+              <a14:hiddenFill xmlns:a14="http://schemas.microsoft.com/office/drawing/2010/main" xmlns="">
                 <a:solidFill>
                   <a:schemeClr val="accent1"/>
                 </a:solidFill>
               </a14:hiddenFill>
             </a:ext>
             <a:ext uri="{91240B29-F687-4f45-9708-019B960494DF}">
-              <a14:hiddenLine xmlns="" xmlns:a14="http://schemas.microsoft.com/office/drawing/2010/main" w="9525">
+              <a14:hiddenLine xmlns:a14="http://schemas.microsoft.com/office/drawing/2010/main" xmlns="" w="9525">
                 <a:solidFill>
                   <a:schemeClr val="tx1"/>
                 </a:solidFill>
@@ -20743,14 +20877,14 @@
           </a:ln>
           <a:extLst>
             <a:ext uri="{909E8E84-426E-40dd-AFC4-6F175D3DCCD1}">
-              <a14:hiddenFill xmlns="" xmlns:a14="http://schemas.microsoft.com/office/drawing/2010/main">
+              <a14:hiddenFill xmlns:a14="http://schemas.microsoft.com/office/drawing/2010/main" xmlns="">
                 <a:solidFill>
                   <a:schemeClr val="accent1"/>
                 </a:solidFill>
               </a14:hiddenFill>
             </a:ext>
             <a:ext uri="{91240B29-F687-4f45-9708-019B960494DF}">
-              <a14:hiddenLine xmlns="" xmlns:a14="http://schemas.microsoft.com/office/drawing/2010/main" w="9525">
+              <a14:hiddenLine xmlns:a14="http://schemas.microsoft.com/office/drawing/2010/main" xmlns="" w="9525">
                 <a:solidFill>
                   <a:schemeClr val="tx1"/>
                 </a:solidFill>
@@ -20812,14 +20946,14 @@
           </a:ln>
           <a:extLst>
             <a:ext uri="{909E8E84-426E-40dd-AFC4-6F175D3DCCD1}">
-              <a14:hiddenFill xmlns="" xmlns:a14="http://schemas.microsoft.com/office/drawing/2010/main">
+              <a14:hiddenFill xmlns:a14="http://schemas.microsoft.com/office/drawing/2010/main" xmlns="">
                 <a:solidFill>
                   <a:schemeClr val="accent1"/>
                 </a:solidFill>
               </a14:hiddenFill>
             </a:ext>
             <a:ext uri="{91240B29-F687-4f45-9708-019B960494DF}">
-              <a14:hiddenLine xmlns="" xmlns:a14="http://schemas.microsoft.com/office/drawing/2010/main" w="9525">
+              <a14:hiddenLine xmlns:a14="http://schemas.microsoft.com/office/drawing/2010/main" xmlns="" w="9525">
                 <a:solidFill>
                   <a:schemeClr val="tx1"/>
                 </a:solidFill>
@@ -20883,14 +21017,14 @@
           </a:ln>
           <a:extLst>
             <a:ext uri="{909E8E84-426E-40dd-AFC4-6F175D3DCCD1}">
-              <a14:hiddenFill xmlns="" xmlns:a14="http://schemas.microsoft.com/office/drawing/2010/main">
+              <a14:hiddenFill xmlns:a14="http://schemas.microsoft.com/office/drawing/2010/main" xmlns="">
                 <a:solidFill>
                   <a:schemeClr val="accent1"/>
                 </a:solidFill>
               </a14:hiddenFill>
             </a:ext>
             <a:ext uri="{91240B29-F687-4f45-9708-019B960494DF}">
-              <a14:hiddenLine xmlns="" xmlns:a14="http://schemas.microsoft.com/office/drawing/2010/main" w="9525">
+              <a14:hiddenLine xmlns:a14="http://schemas.microsoft.com/office/drawing/2010/main" xmlns="" w="9525">
                 <a:solidFill>
                   <a:schemeClr val="tx1"/>
                 </a:solidFill>
@@ -20993,7 +21127,7 @@
           </a:ln>
           <a:extLst>
             <a:ext uri="{909E8E84-426E-40dd-AFC4-6F175D3DCCD1}">
-              <a14:hiddenFill xmlns="" xmlns:a14="http://schemas.microsoft.com/office/drawing/2010/main">
+              <a14:hiddenFill xmlns:a14="http://schemas.microsoft.com/office/drawing/2010/main" xmlns="">
                 <a:solidFill>
                   <a:schemeClr val="accent1"/>
                 </a:solidFill>
@@ -21058,7 +21192,7 @@
           </a:ln>
           <a:extLst>
             <a:ext uri="{909E8E84-426E-40dd-AFC4-6F175D3DCCD1}">
-              <a14:hiddenFill xmlns="" xmlns:a14="http://schemas.microsoft.com/office/drawing/2010/main">
+              <a14:hiddenFill xmlns:a14="http://schemas.microsoft.com/office/drawing/2010/main" xmlns="">
                 <a:solidFill>
                   <a:schemeClr val="accent1"/>
                 </a:solidFill>
@@ -21145,7 +21279,7 @@
           </a:ln>
           <a:extLst>
             <a:ext uri="{909E8E84-426E-40dd-AFC4-6F175D3DCCD1}">
-              <a14:hiddenFill xmlns="" xmlns:a14="http://schemas.microsoft.com/office/drawing/2010/main">
+              <a14:hiddenFill xmlns:a14="http://schemas.microsoft.com/office/drawing/2010/main" xmlns="">
                 <a:solidFill>
                   <a:schemeClr val="accent1"/>
                 </a:solidFill>
@@ -21188,7 +21322,7 @@
           </a:ln>
           <a:extLst>
             <a:ext uri="{909E8E84-426E-40dd-AFC4-6F175D3DCCD1}">
-              <a14:hiddenFill xmlns="" xmlns:a14="http://schemas.microsoft.com/office/drawing/2010/main">
+              <a14:hiddenFill xmlns:a14="http://schemas.microsoft.com/office/drawing/2010/main" xmlns="">
                 <a:solidFill>
                   <a:schemeClr val="accent1"/>
                 </a:solidFill>
@@ -21233,7 +21367,7 @@
           </a:ln>
           <a:extLst>
             <a:ext uri="{909E8E84-426E-40dd-AFC4-6F175D3DCCD1}">
-              <a14:hiddenFill xmlns="" xmlns:a14="http://schemas.microsoft.com/office/drawing/2010/main">
+              <a14:hiddenFill xmlns:a14="http://schemas.microsoft.com/office/drawing/2010/main" xmlns="">
                 <a:noFill/>
               </a14:hiddenFill>
             </a:ext>
@@ -21262,14 +21396,14 @@
           </a:ln>
           <a:extLst>
             <a:ext uri="{909E8E84-426E-40dd-AFC4-6F175D3DCCD1}">
-              <a14:hiddenFill xmlns="" xmlns:a14="http://schemas.microsoft.com/office/drawing/2010/main">
+              <a14:hiddenFill xmlns:a14="http://schemas.microsoft.com/office/drawing/2010/main" xmlns="">
                 <a:solidFill>
                   <a:schemeClr val="accent1"/>
                 </a:solidFill>
               </a14:hiddenFill>
             </a:ext>
             <a:ext uri="{91240B29-F687-4f45-9708-019B960494DF}">
-              <a14:hiddenLine xmlns="" xmlns:a14="http://schemas.microsoft.com/office/drawing/2010/main" w="9525">
+              <a14:hiddenLine xmlns:a14="http://schemas.microsoft.com/office/drawing/2010/main" xmlns="" w="9525">
                 <a:solidFill>
                   <a:schemeClr val="tx1"/>
                 </a:solidFill>
@@ -21315,14 +21449,14 @@
           </a:ln>
           <a:extLst>
             <a:ext uri="{909E8E84-426E-40dd-AFC4-6F175D3DCCD1}">
-              <a14:hiddenFill xmlns="" xmlns:a14="http://schemas.microsoft.com/office/drawing/2010/main">
+              <a14:hiddenFill xmlns:a14="http://schemas.microsoft.com/office/drawing/2010/main" xmlns="">
                 <a:solidFill>
                   <a:schemeClr val="accent1"/>
                 </a:solidFill>
               </a14:hiddenFill>
             </a:ext>
             <a:ext uri="{91240B29-F687-4f45-9708-019B960494DF}">
-              <a14:hiddenLine xmlns="" xmlns:a14="http://schemas.microsoft.com/office/drawing/2010/main" w="9525">
+              <a14:hiddenLine xmlns:a14="http://schemas.microsoft.com/office/drawing/2010/main" xmlns="" w="9525">
                 <a:solidFill>
                   <a:schemeClr val="tx1"/>
                 </a:solidFill>
@@ -21377,7 +21511,7 @@
           </a:ln>
           <a:extLst>
             <a:ext uri="{909E8E84-426E-40dd-AFC4-6F175D3DCCD1}">
-              <a14:hiddenFill xmlns="" xmlns:a14="http://schemas.microsoft.com/office/drawing/2010/main">
+              <a14:hiddenFill xmlns:a14="http://schemas.microsoft.com/office/drawing/2010/main" xmlns="">
                 <a:solidFill>
                   <a:schemeClr val="accent1"/>
                 </a:solidFill>
@@ -21420,14 +21554,14 @@
           </a:ln>
           <a:extLst>
             <a:ext uri="{909E8E84-426E-40dd-AFC4-6F175D3DCCD1}">
-              <a14:hiddenFill xmlns="" xmlns:a14="http://schemas.microsoft.com/office/drawing/2010/main">
+              <a14:hiddenFill xmlns:a14="http://schemas.microsoft.com/office/drawing/2010/main" xmlns="">
                 <a:solidFill>
                   <a:schemeClr val="accent1"/>
                 </a:solidFill>
               </a14:hiddenFill>
             </a:ext>
             <a:ext uri="{91240B29-F687-4f45-9708-019B960494DF}">
-              <a14:hiddenLine xmlns="" xmlns:a14="http://schemas.microsoft.com/office/drawing/2010/main" w="9525">
+              <a14:hiddenLine xmlns:a14="http://schemas.microsoft.com/office/drawing/2010/main" xmlns="" w="9525">
                 <a:solidFill>
                   <a:schemeClr val="tx1"/>
                 </a:solidFill>
@@ -21482,7 +21616,7 @@
           </a:ln>
           <a:extLst>
             <a:ext uri="{909E8E84-426E-40dd-AFC4-6F175D3DCCD1}">
-              <a14:hiddenFill xmlns="" xmlns:a14="http://schemas.microsoft.com/office/drawing/2010/main">
+              <a14:hiddenFill xmlns:a14="http://schemas.microsoft.com/office/drawing/2010/main" xmlns="">
                 <a:noFill/>
               </a14:hiddenFill>
             </a:ext>
@@ -21550,14 +21684,14 @@
           </a:ln>
           <a:extLst>
             <a:ext uri="{909E8E84-426E-40dd-AFC4-6F175D3DCCD1}">
-              <a14:hiddenFill xmlns="" xmlns:a14="http://schemas.microsoft.com/office/drawing/2010/main">
+              <a14:hiddenFill xmlns:a14="http://schemas.microsoft.com/office/drawing/2010/main" xmlns="">
                 <a:solidFill>
                   <a:schemeClr val="accent1"/>
                 </a:solidFill>
               </a14:hiddenFill>
             </a:ext>
             <a:ext uri="{91240B29-F687-4f45-9708-019B960494DF}">
-              <a14:hiddenLine xmlns="" xmlns:a14="http://schemas.microsoft.com/office/drawing/2010/main" w="9525">
+              <a14:hiddenLine xmlns:a14="http://schemas.microsoft.com/office/drawing/2010/main" xmlns="" w="9525">
                 <a:solidFill>
                   <a:schemeClr val="tx1"/>
                 </a:solidFill>
@@ -21626,14 +21760,14 @@
           </a:ln>
           <a:extLst>
             <a:ext uri="{909E8E84-426E-40dd-AFC4-6F175D3DCCD1}">
-              <a14:hiddenFill xmlns="" xmlns:a14="http://schemas.microsoft.com/office/drawing/2010/main">
+              <a14:hiddenFill xmlns:a14="http://schemas.microsoft.com/office/drawing/2010/main" xmlns="">
                 <a:solidFill>
                   <a:schemeClr val="accent1"/>
                 </a:solidFill>
               </a14:hiddenFill>
             </a:ext>
             <a:ext uri="{91240B29-F687-4f45-9708-019B960494DF}">
-              <a14:hiddenLine xmlns="" xmlns:a14="http://schemas.microsoft.com/office/drawing/2010/main" w="9525">
+              <a14:hiddenLine xmlns:a14="http://schemas.microsoft.com/office/drawing/2010/main" xmlns="" w="9525">
                 <a:solidFill>
                   <a:schemeClr val="tx1"/>
                 </a:solidFill>
@@ -21686,14 +21820,14 @@
           </a:ln>
           <a:extLst>
             <a:ext uri="{909E8E84-426E-40dd-AFC4-6F175D3DCCD1}">
-              <a14:hiddenFill xmlns="" xmlns:a14="http://schemas.microsoft.com/office/drawing/2010/main">
+              <a14:hiddenFill xmlns:a14="http://schemas.microsoft.com/office/drawing/2010/main" xmlns="">
                 <a:solidFill>
                   <a:schemeClr val="accent1"/>
                 </a:solidFill>
               </a14:hiddenFill>
             </a:ext>
             <a:ext uri="{91240B29-F687-4f45-9708-019B960494DF}">
-              <a14:hiddenLine xmlns="" xmlns:a14="http://schemas.microsoft.com/office/drawing/2010/main" w="9525">
+              <a14:hiddenLine xmlns:a14="http://schemas.microsoft.com/office/drawing/2010/main" xmlns="" w="9525">
                 <a:solidFill>
                   <a:schemeClr val="tx1"/>
                 </a:solidFill>
@@ -21755,14 +21889,14 @@
           </a:ln>
           <a:extLst>
             <a:ext uri="{909E8E84-426E-40dd-AFC4-6F175D3DCCD1}">
-              <a14:hiddenFill xmlns="" xmlns:a14="http://schemas.microsoft.com/office/drawing/2010/main">
+              <a14:hiddenFill xmlns:a14="http://schemas.microsoft.com/office/drawing/2010/main" xmlns="">
                 <a:solidFill>
                   <a:schemeClr val="accent1"/>
                 </a:solidFill>
               </a14:hiddenFill>
             </a:ext>
             <a:ext uri="{91240B29-F687-4f45-9708-019B960494DF}">
-              <a14:hiddenLine xmlns="" xmlns:a14="http://schemas.microsoft.com/office/drawing/2010/main" w="9525">
+              <a14:hiddenLine xmlns:a14="http://schemas.microsoft.com/office/drawing/2010/main" xmlns="" w="9525">
                 <a:solidFill>
                   <a:schemeClr val="tx1"/>
                 </a:solidFill>
@@ -21826,14 +21960,14 @@
           </a:ln>
           <a:extLst>
             <a:ext uri="{909E8E84-426E-40dd-AFC4-6F175D3DCCD1}">
-              <a14:hiddenFill xmlns="" xmlns:a14="http://schemas.microsoft.com/office/drawing/2010/main">
+              <a14:hiddenFill xmlns:a14="http://schemas.microsoft.com/office/drawing/2010/main" xmlns="">
                 <a:solidFill>
                   <a:schemeClr val="accent1"/>
                 </a:solidFill>
               </a14:hiddenFill>
             </a:ext>
             <a:ext uri="{91240B29-F687-4f45-9708-019B960494DF}">
-              <a14:hiddenLine xmlns="" xmlns:a14="http://schemas.microsoft.com/office/drawing/2010/main" w="9525">
+              <a14:hiddenLine xmlns:a14="http://schemas.microsoft.com/office/drawing/2010/main" xmlns="" w="9525">
                 <a:solidFill>
                   <a:schemeClr val="tx1"/>
                 </a:solidFill>
@@ -22125,7 +22259,7 @@
         <a:effectLst/>
         <a:extLst>
           <a:ext uri="{AF507438-7753-43e0-B8FC-AC1667EBCBE1}">
-            <a14:hiddenEffects xmlns="" xmlns:a14="http://schemas.microsoft.com/office/drawing/2010/main">
+            <a14:hiddenEffects xmlns:a14="http://schemas.microsoft.com/office/drawing/2010/main" xmlns="">
               <a:effectLst>
                 <a:outerShdw blurRad="63500" dist="38099" dir="2700000" algn="ctr" rotWithShape="0">
                   <a:schemeClr val="bg2">
@@ -22202,7 +22336,7 @@
         <a:effectLst/>
         <a:extLst>
           <a:ext uri="{AF507438-7753-43e0-B8FC-AC1667EBCBE1}">
-            <a14:hiddenEffects xmlns="" xmlns:a14="http://schemas.microsoft.com/office/drawing/2010/main">
+            <a14:hiddenEffects xmlns:a14="http://schemas.microsoft.com/office/drawing/2010/main" xmlns="">
               <a:effectLst>
                 <a:outerShdw blurRad="63500" dist="38099" dir="2700000" algn="ctr" rotWithShape="0">
                   <a:schemeClr val="bg2">
